--- a/_site/docs/VS model.pptx
+++ b/_site/docs/VS model.pptx
@@ -5,7 +5,7 @@
     <p:sldMasterId id="2147483648" r:id="rId1"/>
   </p:sldMasterIdLst>
   <p:notesMasterIdLst>
-    <p:notesMasterId r:id="rId44"/>
+    <p:notesMasterId r:id="rId46"/>
   </p:notesMasterIdLst>
   <p:sldIdLst>
     <p:sldId id="265" r:id="rId2"/>
@@ -43,13 +43,15 @@
     <p:sldId id="282" r:id="rId34"/>
     <p:sldId id="278" r:id="rId35"/>
     <p:sldId id="283" r:id="rId36"/>
-    <p:sldId id="284" r:id="rId37"/>
-    <p:sldId id="285" r:id="rId38"/>
-    <p:sldId id="286" r:id="rId39"/>
-    <p:sldId id="290" r:id="rId40"/>
-    <p:sldId id="291" r:id="rId41"/>
-    <p:sldId id="289" r:id="rId42"/>
-    <p:sldId id="309" r:id="rId43"/>
+    <p:sldId id="315" r:id="rId37"/>
+    <p:sldId id="316" r:id="rId38"/>
+    <p:sldId id="284" r:id="rId39"/>
+    <p:sldId id="285" r:id="rId40"/>
+    <p:sldId id="286" r:id="rId41"/>
+    <p:sldId id="290" r:id="rId42"/>
+    <p:sldId id="291" r:id="rId43"/>
+    <p:sldId id="289" r:id="rId44"/>
+    <p:sldId id="309" r:id="rId45"/>
   </p:sldIdLst>
   <p:sldSz cx="9144000" cy="6858000" type="screen4x3"/>
   <p:notesSz cx="6858000" cy="9144000"/>
@@ -249,7 +251,7 @@
           <a:p>
             <a:fld id="{2AF2F049-48AD-44DF-A836-28AA8AE07C7D}" type="datetimeFigureOut">
               <a:rPr lang="en-US" smtClean="0"/>
-              <a:t>1/19/2015</a:t>
+              <a:t>1/21/2015</a:t>
             </a:fld>
             <a:endParaRPr lang="en-US"/>
           </a:p>
@@ -750,7 +752,7 @@
           <a:p>
             <a:fld id="{5301135E-B23C-467D-866E-5E27626D91E8}" type="slidenum">
               <a:rPr lang="en-US" smtClean="0"/>
-              <a:t>41</a:t>
+              <a:t>43</a:t>
             </a:fld>
             <a:endParaRPr lang="en-US"/>
           </a:p>
@@ -8553,8 +8555,8 @@
           </a:p>
         </p:txBody>
       </p:sp>
-      <mc:AlternateContent xmlns:mc="http://schemas.openxmlformats.org/markup-compatibility/2006">
-        <mc:Choice xmlns:a14="http://schemas.microsoft.com/office/drawing/2010/main" Requires="a14">
+      <mc:AlternateContent xmlns:mc="http://schemas.openxmlformats.org/markup-compatibility/2006" xmlns:a14="http://schemas.microsoft.com/office/drawing/2010/main">
+        <mc:Choice Requires="a14">
           <p:sp>
             <p:nvSpPr>
               <p:cNvPr id="3" name="Content Placeholder 2"/>
@@ -8612,11 +8614,7 @@
                 <a:pPr lvl="1"/>
                 <a:r>
                   <a:rPr lang="en-US" altLang="en-US" dirty="0" smtClean="0"/>
-                  <a:t>Basis concepts are </a:t>
-                </a:r>
-                <a:r>
-                  <a:rPr lang="en-US" altLang="en-US" dirty="0" smtClean="0"/>
-                  <a:t>clearly not linearly independent!</a:t>
+                  <a:t>Basis concepts are clearly not linearly independent!</a:t>
                 </a:r>
                 <a:endParaRPr lang="en-US" dirty="0" smtClean="0"/>
               </a:p>
@@ -8708,7 +8706,7 @@
             </p:txBody>
           </p:sp>
         </mc:Choice>
-        <mc:Fallback>
+        <mc:Fallback xmlns="">
           <p:sp>
             <p:nvSpPr>
               <p:cNvPr id="3" name="Content Placeholder 2"/>
@@ -23973,11 +23971,7 @@
           <a:p>
             <a:r>
               <a:rPr lang="en-US" altLang="en-US" dirty="0" smtClean="0"/>
-              <a:t>Inverse </a:t>
-            </a:r>
-            <a:r>
-              <a:rPr lang="en-US" altLang="en-US" dirty="0" smtClean="0"/>
-              <a:t>document frequency</a:t>
+              <a:t>Inverse document frequency</a:t>
             </a:r>
             <a:endParaRPr lang="en-US" altLang="en-US" dirty="0"/>
           </a:p>
@@ -27965,6 +27959,3536 @@
       </p:grpSpPr>
       <p:sp>
         <p:nvSpPr>
+          <p:cNvPr id="17410" name="Rectangle 2"/>
+          <p:cNvSpPr>
+            <a:spLocks noGrp="1" noChangeArrowheads="1"/>
+          </p:cNvSpPr>
+          <p:nvPr>
+            <p:ph type="title"/>
+          </p:nvPr>
+        </p:nvSpPr>
+        <p:spPr/>
+        <p:txBody>
+          <a:bodyPr>
+            <a:normAutofit fontScale="90000"/>
+          </a:bodyPr>
+          <a:lstStyle/>
+          <a:p>
+            <a:r>
+              <a:rPr lang="en-US" sz="4000" dirty="0" smtClean="0"/>
+              <a:t>Recap: constructing </a:t>
+            </a:r>
+            <a:r>
+              <a:rPr lang="en-US" sz="4000" dirty="0" smtClean="0"/>
+              <a:t>a VSM representation</a:t>
+            </a:r>
+            <a:endParaRPr lang="en-US" altLang="en-US" sz="4000" dirty="0" smtClean="0">
+              <a:latin typeface="Arial" charset="0"/>
+              <a:cs typeface="Arial" charset="0"/>
+            </a:endParaRPr>
+          </a:p>
+        </p:txBody>
+      </p:sp>
+      <p:sp>
+        <p:nvSpPr>
+          <p:cNvPr id="2" name="Date Placeholder 1"/>
+          <p:cNvSpPr>
+            <a:spLocks noGrp="1"/>
+          </p:cNvSpPr>
+          <p:nvPr>
+            <p:ph type="dt" sz="half" idx="10"/>
+          </p:nvPr>
+        </p:nvSpPr>
+        <p:spPr/>
+        <p:txBody>
+          <a:bodyPr/>
+          <a:lstStyle/>
+          <a:p>
+            <a:r>
+              <a:rPr lang="en-US" smtClean="0"/>
+              <a:t>CS@UVa</a:t>
+            </a:r>
+            <a:endParaRPr lang="en-US"/>
+          </a:p>
+        </p:txBody>
+      </p:sp>
+      <p:sp>
+        <p:nvSpPr>
+          <p:cNvPr id="5" name="Footer Placeholder 4"/>
+          <p:cNvSpPr>
+            <a:spLocks noGrp="1"/>
+          </p:cNvSpPr>
+          <p:nvPr>
+            <p:ph type="ftr" sz="quarter" idx="11"/>
+          </p:nvPr>
+        </p:nvSpPr>
+        <p:spPr/>
+        <p:txBody>
+          <a:bodyPr/>
+          <a:lstStyle/>
+          <a:p>
+            <a:r>
+              <a:rPr lang="en-US" smtClean="0"/>
+              <a:t>CS 6501: Text Mining</a:t>
+            </a:r>
+            <a:endParaRPr lang="en-US"/>
+          </a:p>
+        </p:txBody>
+      </p:sp>
+      <p:sp>
+        <p:nvSpPr>
+          <p:cNvPr id="6" name="Slide Number Placeholder 5"/>
+          <p:cNvSpPr>
+            <a:spLocks noGrp="1"/>
+          </p:cNvSpPr>
+          <p:nvPr>
+            <p:ph type="sldNum" sz="quarter" idx="12"/>
+          </p:nvPr>
+        </p:nvSpPr>
+        <p:spPr/>
+        <p:txBody>
+          <a:bodyPr/>
+          <a:lstStyle/>
+          <a:p>
+            <a:fld id="{8FFD2F68-5222-4E23-9325-DA915C0C80C8}" type="slidenum">
+              <a:rPr lang="en-US" smtClean="0"/>
+              <a:t>36</a:t>
+            </a:fld>
+            <a:endParaRPr lang="en-US"/>
+          </a:p>
+        </p:txBody>
+      </p:sp>
+      <p:sp>
+        <p:nvSpPr>
+          <p:cNvPr id="62" name="TextBox 61"/>
+          <p:cNvSpPr txBox="1"/>
+          <p:nvPr/>
+        </p:nvSpPr>
+        <p:spPr>
+          <a:xfrm>
+            <a:off x="1143000" y="4216909"/>
+            <a:ext cx="5257800" cy="400110"/>
+          </a:xfrm>
+          <a:prstGeom prst="rect">
+            <a:avLst/>
+          </a:prstGeom>
+          <a:noFill/>
+        </p:spPr>
+        <p:txBody>
+          <a:bodyPr wrap="square" rtlCol="0">
+            <a:spAutoFit/>
+          </a:bodyPr>
+          <a:lstStyle/>
+          <a:p>
+            <a:pPr marL="342900" indent="-342900">
+              <a:buFont typeface="+mj-lt"/>
+              <a:buAutoNum type="arabicPeriod" startAt="4"/>
+            </a:pPr>
+            <a:r>
+              <a:rPr lang="en-US" sz="2000" b="1" dirty="0" smtClean="0">
+                <a:solidFill>
+                  <a:srgbClr val="FF0000"/>
+                </a:solidFill>
+              </a:rPr>
+              <a:t>Stopword/controlled vocabulary filtering:</a:t>
+            </a:r>
+            <a:endParaRPr lang="en-US" sz="2000" b="1" dirty="0">
+              <a:solidFill>
+                <a:srgbClr val="FF0000"/>
+              </a:solidFill>
+            </a:endParaRPr>
+          </a:p>
+        </p:txBody>
+      </p:sp>
+      <p:pic>
+        <p:nvPicPr>
+          <p:cNvPr id="2050" name="Picture 2" descr="http://web.eecs.utk.edu/~mberry/sc95/gif/berry_table402.gif"/>
+          <p:cNvPicPr>
+            <a:picLocks noChangeAspect="1" noChangeArrowheads="1"/>
+          </p:cNvPicPr>
+          <p:nvPr/>
+        </p:nvPicPr>
+        <p:blipFill>
+          <a:blip r:embed="rId2">
+            <a:extLst>
+              <a:ext uri="{28A0092B-C50C-407E-A947-70E740481C1C}">
+                <a14:useLocalDpi xmlns:a14="http://schemas.microsoft.com/office/drawing/2010/main" val="0"/>
+              </a:ext>
+            </a:extLst>
+          </a:blip>
+          <a:srcRect/>
+          <a:stretch>
+            <a:fillRect/>
+          </a:stretch>
+        </p:blipFill>
+        <p:spPr bwMode="auto">
+          <a:xfrm>
+            <a:off x="3287487" y="5029200"/>
+            <a:ext cx="2482108" cy="1391836"/>
+          </a:xfrm>
+          <a:prstGeom prst="rect">
+            <a:avLst/>
+          </a:prstGeom>
+          <a:noFill/>
+          <a:extLst>
+            <a:ext uri="{909E8E84-426E-40DD-AFC4-6F175D3DCCD1}">
+              <a14:hiddenFill xmlns:a14="http://schemas.microsoft.com/office/drawing/2010/main">
+                <a:solidFill>
+                  <a:srgbClr val="FFFFFF"/>
+                </a:solidFill>
+              </a14:hiddenFill>
+            </a:ext>
+          </a:extLst>
+        </p:spPr>
+      </p:pic>
+      <p:sp>
+        <p:nvSpPr>
+          <p:cNvPr id="23" name="TextBox 22"/>
+          <p:cNvSpPr txBox="1"/>
+          <p:nvPr/>
+        </p:nvSpPr>
+        <p:spPr>
+          <a:xfrm>
+            <a:off x="5947564" y="5468433"/>
+            <a:ext cx="1748636" cy="646331"/>
+          </a:xfrm>
+          <a:prstGeom prst="rect">
+            <a:avLst/>
+          </a:prstGeom>
+          <a:noFill/>
+        </p:spPr>
+        <p:txBody>
+          <a:bodyPr wrap="square" rtlCol="0">
+            <a:spAutoFit/>
+          </a:bodyPr>
+          <a:lstStyle/>
+          <a:p>
+            <a:r>
+              <a:rPr lang="en-US" b="1" i="1" dirty="0" smtClean="0"/>
+              <a:t>Documents in a vector space!</a:t>
+            </a:r>
+            <a:endParaRPr lang="en-US" b="1" i="1" dirty="0"/>
+          </a:p>
+        </p:txBody>
+      </p:sp>
+      <p:grpSp>
+        <p:nvGrpSpPr>
+          <p:cNvPr id="16" name="Group 15"/>
+          <p:cNvGrpSpPr/>
+          <p:nvPr/>
+        </p:nvGrpSpPr>
+        <p:grpSpPr>
+          <a:xfrm>
+            <a:off x="3287487" y="1199443"/>
+            <a:ext cx="2373326" cy="731520"/>
+            <a:chOff x="3287487" y="1097280"/>
+            <a:chExt cx="2373326" cy="731520"/>
+          </a:xfrm>
+        </p:grpSpPr>
+        <p:grpSp>
+          <p:nvGrpSpPr>
+            <p:cNvPr id="10" name="Group 9"/>
+            <p:cNvGrpSpPr/>
+            <p:nvPr/>
+          </p:nvGrpSpPr>
+          <p:grpSpPr>
+            <a:xfrm>
+              <a:off x="3287487" y="1097280"/>
+              <a:ext cx="1097280" cy="731520"/>
+              <a:chOff x="2392441" y="2980944"/>
+              <a:chExt cx="1097280" cy="731520"/>
+            </a:xfrm>
+          </p:grpSpPr>
+          <p:sp>
+            <p:nvSpPr>
+              <p:cNvPr id="17443" name="AutoShape 5"/>
+              <p:cNvSpPr>
+                <a:spLocks noChangeArrowheads="1"/>
+              </p:cNvSpPr>
+              <p:nvPr/>
+            </p:nvSpPr>
+            <p:spPr bwMode="auto">
+              <a:xfrm>
+                <a:off x="2392441" y="2980944"/>
+                <a:ext cx="274320" cy="390144"/>
+              </a:xfrm>
+              <a:prstGeom prst="foldedCorner">
+                <a:avLst>
+                  <a:gd name="adj" fmla="val 12500"/>
+                </a:avLst>
+              </a:prstGeom>
+              <a:solidFill>
+                <a:schemeClr val="accent1"/>
+              </a:solidFill>
+              <a:ln w="9525">
+                <a:solidFill>
+                  <a:schemeClr val="tx1"/>
+                </a:solidFill>
+                <a:round/>
+                <a:headEnd/>
+                <a:tailEnd/>
+              </a:ln>
+            </p:spPr>
+            <p:txBody>
+              <a:bodyPr wrap="none" anchor="ctr"/>
+              <a:lstStyle>
+                <a:lvl1pPr eaLnBrk="0" hangingPunct="0">
+                  <a:defRPr sz="2400">
+                    <a:solidFill>
+                      <a:schemeClr val="tx1"/>
+                    </a:solidFill>
+                    <a:latin typeface="Gill Sans MT" pitchFamily="34" charset="0"/>
+                  </a:defRPr>
+                </a:lvl1pPr>
+                <a:lvl2pPr marL="742950" indent="-285750" eaLnBrk="0" hangingPunct="0">
+                  <a:defRPr sz="2400">
+                    <a:solidFill>
+                      <a:schemeClr val="tx1"/>
+                    </a:solidFill>
+                    <a:latin typeface="Gill Sans MT" pitchFamily="34" charset="0"/>
+                  </a:defRPr>
+                </a:lvl2pPr>
+                <a:lvl3pPr marL="1143000" indent="-228600" eaLnBrk="0" hangingPunct="0">
+                  <a:defRPr sz="2400">
+                    <a:solidFill>
+                      <a:schemeClr val="tx1"/>
+                    </a:solidFill>
+                    <a:latin typeface="Gill Sans MT" pitchFamily="34" charset="0"/>
+                  </a:defRPr>
+                </a:lvl3pPr>
+                <a:lvl4pPr marL="1600200" indent="-228600" eaLnBrk="0" hangingPunct="0">
+                  <a:defRPr sz="2400">
+                    <a:solidFill>
+                      <a:schemeClr val="tx1"/>
+                    </a:solidFill>
+                    <a:latin typeface="Gill Sans MT" pitchFamily="34" charset="0"/>
+                  </a:defRPr>
+                </a:lvl4pPr>
+                <a:lvl5pPr marL="2057400" indent="-228600" eaLnBrk="0" hangingPunct="0">
+                  <a:defRPr sz="2400">
+                    <a:solidFill>
+                      <a:schemeClr val="tx1"/>
+                    </a:solidFill>
+                    <a:latin typeface="Gill Sans MT" pitchFamily="34" charset="0"/>
+                  </a:defRPr>
+                </a:lvl5pPr>
+                <a:lvl6pPr marL="2514600" indent="-228600" eaLnBrk="0" fontAlgn="base" hangingPunct="0">
+                  <a:spcBef>
+                    <a:spcPct val="0"/>
+                  </a:spcBef>
+                  <a:spcAft>
+                    <a:spcPct val="0"/>
+                  </a:spcAft>
+                  <a:defRPr sz="2400">
+                    <a:solidFill>
+                      <a:schemeClr val="tx1"/>
+                    </a:solidFill>
+                    <a:latin typeface="Gill Sans MT" pitchFamily="34" charset="0"/>
+                  </a:defRPr>
+                </a:lvl6pPr>
+                <a:lvl7pPr marL="2971800" indent="-228600" eaLnBrk="0" fontAlgn="base" hangingPunct="0">
+                  <a:spcBef>
+                    <a:spcPct val="0"/>
+                  </a:spcBef>
+                  <a:spcAft>
+                    <a:spcPct val="0"/>
+                  </a:spcAft>
+                  <a:defRPr sz="2400">
+                    <a:solidFill>
+                      <a:schemeClr val="tx1"/>
+                    </a:solidFill>
+                    <a:latin typeface="Gill Sans MT" pitchFamily="34" charset="0"/>
+                  </a:defRPr>
+                </a:lvl7pPr>
+                <a:lvl8pPr marL="3429000" indent="-228600" eaLnBrk="0" fontAlgn="base" hangingPunct="0">
+                  <a:spcBef>
+                    <a:spcPct val="0"/>
+                  </a:spcBef>
+                  <a:spcAft>
+                    <a:spcPct val="0"/>
+                  </a:spcAft>
+                  <a:defRPr sz="2400">
+                    <a:solidFill>
+                      <a:schemeClr val="tx1"/>
+                    </a:solidFill>
+                    <a:latin typeface="Gill Sans MT" pitchFamily="34" charset="0"/>
+                  </a:defRPr>
+                </a:lvl8pPr>
+                <a:lvl9pPr marL="3886200" indent="-228600" eaLnBrk="0" fontAlgn="base" hangingPunct="0">
+                  <a:spcBef>
+                    <a:spcPct val="0"/>
+                  </a:spcBef>
+                  <a:spcAft>
+                    <a:spcPct val="0"/>
+                  </a:spcAft>
+                  <a:defRPr sz="2400">
+                    <a:solidFill>
+                      <a:schemeClr val="tx1"/>
+                    </a:solidFill>
+                    <a:latin typeface="Gill Sans MT" pitchFamily="34" charset="0"/>
+                  </a:defRPr>
+                </a:lvl9pPr>
+              </a:lstStyle>
+              <a:p>
+                <a:pPr eaLnBrk="1" hangingPunct="1"/>
+                <a:endParaRPr lang="en-US" altLang="en-US">
+                  <a:latin typeface="+mn-lt"/>
+                </a:endParaRPr>
+              </a:p>
+            </p:txBody>
+          </p:sp>
+          <p:sp>
+            <p:nvSpPr>
+              <p:cNvPr id="17444" name="AutoShape 6"/>
+              <p:cNvSpPr>
+                <a:spLocks noChangeArrowheads="1"/>
+              </p:cNvSpPr>
+              <p:nvPr/>
+            </p:nvSpPr>
+            <p:spPr bwMode="auto">
+              <a:xfrm>
+                <a:off x="2483881" y="3078480"/>
+                <a:ext cx="274320" cy="390144"/>
+              </a:xfrm>
+              <a:prstGeom prst="foldedCorner">
+                <a:avLst>
+                  <a:gd name="adj" fmla="val 12500"/>
+                </a:avLst>
+              </a:prstGeom>
+              <a:solidFill>
+                <a:schemeClr val="accent1"/>
+              </a:solidFill>
+              <a:ln w="9525">
+                <a:solidFill>
+                  <a:schemeClr val="tx1"/>
+                </a:solidFill>
+                <a:round/>
+                <a:headEnd/>
+                <a:tailEnd/>
+              </a:ln>
+            </p:spPr>
+            <p:txBody>
+              <a:bodyPr wrap="none" anchor="ctr"/>
+              <a:lstStyle>
+                <a:lvl1pPr eaLnBrk="0" hangingPunct="0">
+                  <a:defRPr sz="2400">
+                    <a:solidFill>
+                      <a:schemeClr val="tx1"/>
+                    </a:solidFill>
+                    <a:latin typeface="Gill Sans MT" pitchFamily="34" charset="0"/>
+                  </a:defRPr>
+                </a:lvl1pPr>
+                <a:lvl2pPr marL="742950" indent="-285750" eaLnBrk="0" hangingPunct="0">
+                  <a:defRPr sz="2400">
+                    <a:solidFill>
+                      <a:schemeClr val="tx1"/>
+                    </a:solidFill>
+                    <a:latin typeface="Gill Sans MT" pitchFamily="34" charset="0"/>
+                  </a:defRPr>
+                </a:lvl2pPr>
+                <a:lvl3pPr marL="1143000" indent="-228600" eaLnBrk="0" hangingPunct="0">
+                  <a:defRPr sz="2400">
+                    <a:solidFill>
+                      <a:schemeClr val="tx1"/>
+                    </a:solidFill>
+                    <a:latin typeface="Gill Sans MT" pitchFamily="34" charset="0"/>
+                  </a:defRPr>
+                </a:lvl3pPr>
+                <a:lvl4pPr marL="1600200" indent="-228600" eaLnBrk="0" hangingPunct="0">
+                  <a:defRPr sz="2400">
+                    <a:solidFill>
+                      <a:schemeClr val="tx1"/>
+                    </a:solidFill>
+                    <a:latin typeface="Gill Sans MT" pitchFamily="34" charset="0"/>
+                  </a:defRPr>
+                </a:lvl4pPr>
+                <a:lvl5pPr marL="2057400" indent="-228600" eaLnBrk="0" hangingPunct="0">
+                  <a:defRPr sz="2400">
+                    <a:solidFill>
+                      <a:schemeClr val="tx1"/>
+                    </a:solidFill>
+                    <a:latin typeface="Gill Sans MT" pitchFamily="34" charset="0"/>
+                  </a:defRPr>
+                </a:lvl5pPr>
+                <a:lvl6pPr marL="2514600" indent="-228600" eaLnBrk="0" fontAlgn="base" hangingPunct="0">
+                  <a:spcBef>
+                    <a:spcPct val="0"/>
+                  </a:spcBef>
+                  <a:spcAft>
+                    <a:spcPct val="0"/>
+                  </a:spcAft>
+                  <a:defRPr sz="2400">
+                    <a:solidFill>
+                      <a:schemeClr val="tx1"/>
+                    </a:solidFill>
+                    <a:latin typeface="Gill Sans MT" pitchFamily="34" charset="0"/>
+                  </a:defRPr>
+                </a:lvl6pPr>
+                <a:lvl7pPr marL="2971800" indent="-228600" eaLnBrk="0" fontAlgn="base" hangingPunct="0">
+                  <a:spcBef>
+                    <a:spcPct val="0"/>
+                  </a:spcBef>
+                  <a:spcAft>
+                    <a:spcPct val="0"/>
+                  </a:spcAft>
+                  <a:defRPr sz="2400">
+                    <a:solidFill>
+                      <a:schemeClr val="tx1"/>
+                    </a:solidFill>
+                    <a:latin typeface="Gill Sans MT" pitchFamily="34" charset="0"/>
+                  </a:defRPr>
+                </a:lvl7pPr>
+                <a:lvl8pPr marL="3429000" indent="-228600" eaLnBrk="0" fontAlgn="base" hangingPunct="0">
+                  <a:spcBef>
+                    <a:spcPct val="0"/>
+                  </a:spcBef>
+                  <a:spcAft>
+                    <a:spcPct val="0"/>
+                  </a:spcAft>
+                  <a:defRPr sz="2400">
+                    <a:solidFill>
+                      <a:schemeClr val="tx1"/>
+                    </a:solidFill>
+                    <a:latin typeface="Gill Sans MT" pitchFamily="34" charset="0"/>
+                  </a:defRPr>
+                </a:lvl8pPr>
+                <a:lvl9pPr marL="3886200" indent="-228600" eaLnBrk="0" fontAlgn="base" hangingPunct="0">
+                  <a:spcBef>
+                    <a:spcPct val="0"/>
+                  </a:spcBef>
+                  <a:spcAft>
+                    <a:spcPct val="0"/>
+                  </a:spcAft>
+                  <a:defRPr sz="2400">
+                    <a:solidFill>
+                      <a:schemeClr val="tx1"/>
+                    </a:solidFill>
+                    <a:latin typeface="Gill Sans MT" pitchFamily="34" charset="0"/>
+                  </a:defRPr>
+                </a:lvl9pPr>
+              </a:lstStyle>
+              <a:p>
+                <a:pPr eaLnBrk="1" hangingPunct="1"/>
+                <a:endParaRPr lang="en-US" altLang="en-US">
+                  <a:latin typeface="+mn-lt"/>
+                </a:endParaRPr>
+              </a:p>
+            </p:txBody>
+          </p:sp>
+          <p:sp>
+            <p:nvSpPr>
+              <p:cNvPr id="17445" name="AutoShape 7"/>
+              <p:cNvSpPr>
+                <a:spLocks noChangeArrowheads="1"/>
+              </p:cNvSpPr>
+              <p:nvPr/>
+            </p:nvSpPr>
+            <p:spPr bwMode="auto">
+              <a:xfrm>
+                <a:off x="2575321" y="3176016"/>
+                <a:ext cx="274320" cy="390144"/>
+              </a:xfrm>
+              <a:prstGeom prst="foldedCorner">
+                <a:avLst>
+                  <a:gd name="adj" fmla="val 12500"/>
+                </a:avLst>
+              </a:prstGeom>
+              <a:solidFill>
+                <a:schemeClr val="accent1"/>
+              </a:solidFill>
+              <a:ln w="9525">
+                <a:solidFill>
+                  <a:schemeClr val="tx1"/>
+                </a:solidFill>
+                <a:round/>
+                <a:headEnd/>
+                <a:tailEnd/>
+              </a:ln>
+            </p:spPr>
+            <p:txBody>
+              <a:bodyPr wrap="none" anchor="ctr"/>
+              <a:lstStyle>
+                <a:lvl1pPr eaLnBrk="0" hangingPunct="0">
+                  <a:defRPr sz="2400">
+                    <a:solidFill>
+                      <a:schemeClr val="tx1"/>
+                    </a:solidFill>
+                    <a:latin typeface="Gill Sans MT" pitchFamily="34" charset="0"/>
+                  </a:defRPr>
+                </a:lvl1pPr>
+                <a:lvl2pPr marL="742950" indent="-285750" eaLnBrk="0" hangingPunct="0">
+                  <a:defRPr sz="2400">
+                    <a:solidFill>
+                      <a:schemeClr val="tx1"/>
+                    </a:solidFill>
+                    <a:latin typeface="Gill Sans MT" pitchFamily="34" charset="0"/>
+                  </a:defRPr>
+                </a:lvl2pPr>
+                <a:lvl3pPr marL="1143000" indent="-228600" eaLnBrk="0" hangingPunct="0">
+                  <a:defRPr sz="2400">
+                    <a:solidFill>
+                      <a:schemeClr val="tx1"/>
+                    </a:solidFill>
+                    <a:latin typeface="Gill Sans MT" pitchFamily="34" charset="0"/>
+                  </a:defRPr>
+                </a:lvl3pPr>
+                <a:lvl4pPr marL="1600200" indent="-228600" eaLnBrk="0" hangingPunct="0">
+                  <a:defRPr sz="2400">
+                    <a:solidFill>
+                      <a:schemeClr val="tx1"/>
+                    </a:solidFill>
+                    <a:latin typeface="Gill Sans MT" pitchFamily="34" charset="0"/>
+                  </a:defRPr>
+                </a:lvl4pPr>
+                <a:lvl5pPr marL="2057400" indent="-228600" eaLnBrk="0" hangingPunct="0">
+                  <a:defRPr sz="2400">
+                    <a:solidFill>
+                      <a:schemeClr val="tx1"/>
+                    </a:solidFill>
+                    <a:latin typeface="Gill Sans MT" pitchFamily="34" charset="0"/>
+                  </a:defRPr>
+                </a:lvl5pPr>
+                <a:lvl6pPr marL="2514600" indent="-228600" eaLnBrk="0" fontAlgn="base" hangingPunct="0">
+                  <a:spcBef>
+                    <a:spcPct val="0"/>
+                  </a:spcBef>
+                  <a:spcAft>
+                    <a:spcPct val="0"/>
+                  </a:spcAft>
+                  <a:defRPr sz="2400">
+                    <a:solidFill>
+                      <a:schemeClr val="tx1"/>
+                    </a:solidFill>
+                    <a:latin typeface="Gill Sans MT" pitchFamily="34" charset="0"/>
+                  </a:defRPr>
+                </a:lvl6pPr>
+                <a:lvl7pPr marL="2971800" indent="-228600" eaLnBrk="0" fontAlgn="base" hangingPunct="0">
+                  <a:spcBef>
+                    <a:spcPct val="0"/>
+                  </a:spcBef>
+                  <a:spcAft>
+                    <a:spcPct val="0"/>
+                  </a:spcAft>
+                  <a:defRPr sz="2400">
+                    <a:solidFill>
+                      <a:schemeClr val="tx1"/>
+                    </a:solidFill>
+                    <a:latin typeface="Gill Sans MT" pitchFamily="34" charset="0"/>
+                  </a:defRPr>
+                </a:lvl7pPr>
+                <a:lvl8pPr marL="3429000" indent="-228600" eaLnBrk="0" fontAlgn="base" hangingPunct="0">
+                  <a:spcBef>
+                    <a:spcPct val="0"/>
+                  </a:spcBef>
+                  <a:spcAft>
+                    <a:spcPct val="0"/>
+                  </a:spcAft>
+                  <a:defRPr sz="2400">
+                    <a:solidFill>
+                      <a:schemeClr val="tx1"/>
+                    </a:solidFill>
+                    <a:latin typeface="Gill Sans MT" pitchFamily="34" charset="0"/>
+                  </a:defRPr>
+                </a:lvl8pPr>
+                <a:lvl9pPr marL="3886200" indent="-228600" eaLnBrk="0" fontAlgn="base" hangingPunct="0">
+                  <a:spcBef>
+                    <a:spcPct val="0"/>
+                  </a:spcBef>
+                  <a:spcAft>
+                    <a:spcPct val="0"/>
+                  </a:spcAft>
+                  <a:defRPr sz="2400">
+                    <a:solidFill>
+                      <a:schemeClr val="tx1"/>
+                    </a:solidFill>
+                    <a:latin typeface="Gill Sans MT" pitchFamily="34" charset="0"/>
+                  </a:defRPr>
+                </a:lvl9pPr>
+              </a:lstStyle>
+              <a:p>
+                <a:pPr eaLnBrk="1" hangingPunct="1"/>
+                <a:endParaRPr lang="en-US" altLang="en-US">
+                  <a:latin typeface="+mn-lt"/>
+                </a:endParaRPr>
+              </a:p>
+            </p:txBody>
+          </p:sp>
+          <p:sp>
+            <p:nvSpPr>
+              <p:cNvPr id="17446" name="AutoShape 8"/>
+              <p:cNvSpPr>
+                <a:spLocks noChangeArrowheads="1"/>
+              </p:cNvSpPr>
+              <p:nvPr/>
+            </p:nvSpPr>
+            <p:spPr bwMode="auto">
+              <a:xfrm>
+                <a:off x="2666761" y="3273552"/>
+                <a:ext cx="274320" cy="390144"/>
+              </a:xfrm>
+              <a:prstGeom prst="foldedCorner">
+                <a:avLst>
+                  <a:gd name="adj" fmla="val 12500"/>
+                </a:avLst>
+              </a:prstGeom>
+              <a:solidFill>
+                <a:schemeClr val="accent1"/>
+              </a:solidFill>
+              <a:ln w="9525">
+                <a:solidFill>
+                  <a:schemeClr val="tx1"/>
+                </a:solidFill>
+                <a:round/>
+                <a:headEnd/>
+                <a:tailEnd/>
+              </a:ln>
+            </p:spPr>
+            <p:txBody>
+              <a:bodyPr wrap="none" anchor="ctr"/>
+              <a:lstStyle>
+                <a:lvl1pPr eaLnBrk="0" hangingPunct="0">
+                  <a:defRPr sz="2400">
+                    <a:solidFill>
+                      <a:schemeClr val="tx1"/>
+                    </a:solidFill>
+                    <a:latin typeface="Gill Sans MT" pitchFamily="34" charset="0"/>
+                  </a:defRPr>
+                </a:lvl1pPr>
+                <a:lvl2pPr marL="742950" indent="-285750" eaLnBrk="0" hangingPunct="0">
+                  <a:defRPr sz="2400">
+                    <a:solidFill>
+                      <a:schemeClr val="tx1"/>
+                    </a:solidFill>
+                    <a:latin typeface="Gill Sans MT" pitchFamily="34" charset="0"/>
+                  </a:defRPr>
+                </a:lvl2pPr>
+                <a:lvl3pPr marL="1143000" indent="-228600" eaLnBrk="0" hangingPunct="0">
+                  <a:defRPr sz="2400">
+                    <a:solidFill>
+                      <a:schemeClr val="tx1"/>
+                    </a:solidFill>
+                    <a:latin typeface="Gill Sans MT" pitchFamily="34" charset="0"/>
+                  </a:defRPr>
+                </a:lvl3pPr>
+                <a:lvl4pPr marL="1600200" indent="-228600" eaLnBrk="0" hangingPunct="0">
+                  <a:defRPr sz="2400">
+                    <a:solidFill>
+                      <a:schemeClr val="tx1"/>
+                    </a:solidFill>
+                    <a:latin typeface="Gill Sans MT" pitchFamily="34" charset="0"/>
+                  </a:defRPr>
+                </a:lvl4pPr>
+                <a:lvl5pPr marL="2057400" indent="-228600" eaLnBrk="0" hangingPunct="0">
+                  <a:defRPr sz="2400">
+                    <a:solidFill>
+                      <a:schemeClr val="tx1"/>
+                    </a:solidFill>
+                    <a:latin typeface="Gill Sans MT" pitchFamily="34" charset="0"/>
+                  </a:defRPr>
+                </a:lvl5pPr>
+                <a:lvl6pPr marL="2514600" indent="-228600" eaLnBrk="0" fontAlgn="base" hangingPunct="0">
+                  <a:spcBef>
+                    <a:spcPct val="0"/>
+                  </a:spcBef>
+                  <a:spcAft>
+                    <a:spcPct val="0"/>
+                  </a:spcAft>
+                  <a:defRPr sz="2400">
+                    <a:solidFill>
+                      <a:schemeClr val="tx1"/>
+                    </a:solidFill>
+                    <a:latin typeface="Gill Sans MT" pitchFamily="34" charset="0"/>
+                  </a:defRPr>
+                </a:lvl6pPr>
+                <a:lvl7pPr marL="2971800" indent="-228600" eaLnBrk="0" fontAlgn="base" hangingPunct="0">
+                  <a:spcBef>
+                    <a:spcPct val="0"/>
+                  </a:spcBef>
+                  <a:spcAft>
+                    <a:spcPct val="0"/>
+                  </a:spcAft>
+                  <a:defRPr sz="2400">
+                    <a:solidFill>
+                      <a:schemeClr val="tx1"/>
+                    </a:solidFill>
+                    <a:latin typeface="Gill Sans MT" pitchFamily="34" charset="0"/>
+                  </a:defRPr>
+                </a:lvl7pPr>
+                <a:lvl8pPr marL="3429000" indent="-228600" eaLnBrk="0" fontAlgn="base" hangingPunct="0">
+                  <a:spcBef>
+                    <a:spcPct val="0"/>
+                  </a:spcBef>
+                  <a:spcAft>
+                    <a:spcPct val="0"/>
+                  </a:spcAft>
+                  <a:defRPr sz="2400">
+                    <a:solidFill>
+                      <a:schemeClr val="tx1"/>
+                    </a:solidFill>
+                    <a:latin typeface="Gill Sans MT" pitchFamily="34" charset="0"/>
+                  </a:defRPr>
+                </a:lvl8pPr>
+                <a:lvl9pPr marL="3886200" indent="-228600" eaLnBrk="0" fontAlgn="base" hangingPunct="0">
+                  <a:spcBef>
+                    <a:spcPct val="0"/>
+                  </a:spcBef>
+                  <a:spcAft>
+                    <a:spcPct val="0"/>
+                  </a:spcAft>
+                  <a:defRPr sz="2400">
+                    <a:solidFill>
+                      <a:schemeClr val="tx1"/>
+                    </a:solidFill>
+                    <a:latin typeface="Gill Sans MT" pitchFamily="34" charset="0"/>
+                  </a:defRPr>
+                </a:lvl9pPr>
+              </a:lstStyle>
+              <a:p>
+                <a:pPr eaLnBrk="1" hangingPunct="1"/>
+                <a:endParaRPr lang="en-US" altLang="en-US">
+                  <a:latin typeface="+mn-lt"/>
+                </a:endParaRPr>
+              </a:p>
+            </p:txBody>
+          </p:sp>
+          <p:sp>
+            <p:nvSpPr>
+              <p:cNvPr id="17447" name="AutoShape 9"/>
+              <p:cNvSpPr>
+                <a:spLocks noChangeArrowheads="1"/>
+              </p:cNvSpPr>
+              <p:nvPr/>
+            </p:nvSpPr>
+            <p:spPr bwMode="auto">
+              <a:xfrm>
+                <a:off x="2986801" y="3029712"/>
+                <a:ext cx="228600" cy="390144"/>
+              </a:xfrm>
+              <a:prstGeom prst="foldedCorner">
+                <a:avLst>
+                  <a:gd name="adj" fmla="val 12500"/>
+                </a:avLst>
+              </a:prstGeom>
+              <a:solidFill>
+                <a:schemeClr val="accent1"/>
+              </a:solidFill>
+              <a:ln w="9525">
+                <a:solidFill>
+                  <a:schemeClr val="tx1"/>
+                </a:solidFill>
+                <a:round/>
+                <a:headEnd/>
+                <a:tailEnd/>
+              </a:ln>
+            </p:spPr>
+            <p:txBody>
+              <a:bodyPr wrap="none" anchor="ctr"/>
+              <a:lstStyle>
+                <a:lvl1pPr eaLnBrk="0" hangingPunct="0">
+                  <a:defRPr sz="2400">
+                    <a:solidFill>
+                      <a:schemeClr val="tx1"/>
+                    </a:solidFill>
+                    <a:latin typeface="Gill Sans MT" pitchFamily="34" charset="0"/>
+                  </a:defRPr>
+                </a:lvl1pPr>
+                <a:lvl2pPr marL="742950" indent="-285750" eaLnBrk="0" hangingPunct="0">
+                  <a:defRPr sz="2400">
+                    <a:solidFill>
+                      <a:schemeClr val="tx1"/>
+                    </a:solidFill>
+                    <a:latin typeface="Gill Sans MT" pitchFamily="34" charset="0"/>
+                  </a:defRPr>
+                </a:lvl2pPr>
+                <a:lvl3pPr marL="1143000" indent="-228600" eaLnBrk="0" hangingPunct="0">
+                  <a:defRPr sz="2400">
+                    <a:solidFill>
+                      <a:schemeClr val="tx1"/>
+                    </a:solidFill>
+                    <a:latin typeface="Gill Sans MT" pitchFamily="34" charset="0"/>
+                  </a:defRPr>
+                </a:lvl3pPr>
+                <a:lvl4pPr marL="1600200" indent="-228600" eaLnBrk="0" hangingPunct="0">
+                  <a:defRPr sz="2400">
+                    <a:solidFill>
+                      <a:schemeClr val="tx1"/>
+                    </a:solidFill>
+                    <a:latin typeface="Gill Sans MT" pitchFamily="34" charset="0"/>
+                  </a:defRPr>
+                </a:lvl4pPr>
+                <a:lvl5pPr marL="2057400" indent="-228600" eaLnBrk="0" hangingPunct="0">
+                  <a:defRPr sz="2400">
+                    <a:solidFill>
+                      <a:schemeClr val="tx1"/>
+                    </a:solidFill>
+                    <a:latin typeface="Gill Sans MT" pitchFamily="34" charset="0"/>
+                  </a:defRPr>
+                </a:lvl5pPr>
+                <a:lvl6pPr marL="2514600" indent="-228600" eaLnBrk="0" fontAlgn="base" hangingPunct="0">
+                  <a:spcBef>
+                    <a:spcPct val="0"/>
+                  </a:spcBef>
+                  <a:spcAft>
+                    <a:spcPct val="0"/>
+                  </a:spcAft>
+                  <a:defRPr sz="2400">
+                    <a:solidFill>
+                      <a:schemeClr val="tx1"/>
+                    </a:solidFill>
+                    <a:latin typeface="Gill Sans MT" pitchFamily="34" charset="0"/>
+                  </a:defRPr>
+                </a:lvl6pPr>
+                <a:lvl7pPr marL="2971800" indent="-228600" eaLnBrk="0" fontAlgn="base" hangingPunct="0">
+                  <a:spcBef>
+                    <a:spcPct val="0"/>
+                  </a:spcBef>
+                  <a:spcAft>
+                    <a:spcPct val="0"/>
+                  </a:spcAft>
+                  <a:defRPr sz="2400">
+                    <a:solidFill>
+                      <a:schemeClr val="tx1"/>
+                    </a:solidFill>
+                    <a:latin typeface="Gill Sans MT" pitchFamily="34" charset="0"/>
+                  </a:defRPr>
+                </a:lvl7pPr>
+                <a:lvl8pPr marL="3429000" indent="-228600" eaLnBrk="0" fontAlgn="base" hangingPunct="0">
+                  <a:spcBef>
+                    <a:spcPct val="0"/>
+                  </a:spcBef>
+                  <a:spcAft>
+                    <a:spcPct val="0"/>
+                  </a:spcAft>
+                  <a:defRPr sz="2400">
+                    <a:solidFill>
+                      <a:schemeClr val="tx1"/>
+                    </a:solidFill>
+                    <a:latin typeface="Gill Sans MT" pitchFamily="34" charset="0"/>
+                  </a:defRPr>
+                </a:lvl8pPr>
+                <a:lvl9pPr marL="3886200" indent="-228600" eaLnBrk="0" fontAlgn="base" hangingPunct="0">
+                  <a:spcBef>
+                    <a:spcPct val="0"/>
+                  </a:spcBef>
+                  <a:spcAft>
+                    <a:spcPct val="0"/>
+                  </a:spcAft>
+                  <a:defRPr sz="2400">
+                    <a:solidFill>
+                      <a:schemeClr val="tx1"/>
+                    </a:solidFill>
+                    <a:latin typeface="Gill Sans MT" pitchFamily="34" charset="0"/>
+                  </a:defRPr>
+                </a:lvl9pPr>
+              </a:lstStyle>
+              <a:p>
+                <a:pPr eaLnBrk="1" hangingPunct="1"/>
+                <a:endParaRPr lang="en-US" altLang="en-US">
+                  <a:latin typeface="+mn-lt"/>
+                </a:endParaRPr>
+              </a:p>
+            </p:txBody>
+          </p:sp>
+          <p:sp>
+            <p:nvSpPr>
+              <p:cNvPr id="17448" name="AutoShape 10"/>
+              <p:cNvSpPr>
+                <a:spLocks noChangeArrowheads="1"/>
+              </p:cNvSpPr>
+              <p:nvPr/>
+            </p:nvSpPr>
+            <p:spPr bwMode="auto">
+              <a:xfrm>
+                <a:off x="3078241" y="3127248"/>
+                <a:ext cx="228600" cy="390144"/>
+              </a:xfrm>
+              <a:prstGeom prst="foldedCorner">
+                <a:avLst>
+                  <a:gd name="adj" fmla="val 12500"/>
+                </a:avLst>
+              </a:prstGeom>
+              <a:solidFill>
+                <a:schemeClr val="accent1"/>
+              </a:solidFill>
+              <a:ln w="9525">
+                <a:solidFill>
+                  <a:schemeClr val="tx1"/>
+                </a:solidFill>
+                <a:round/>
+                <a:headEnd/>
+                <a:tailEnd/>
+              </a:ln>
+            </p:spPr>
+            <p:txBody>
+              <a:bodyPr wrap="none" anchor="ctr"/>
+              <a:lstStyle>
+                <a:lvl1pPr eaLnBrk="0" hangingPunct="0">
+                  <a:defRPr sz="2400">
+                    <a:solidFill>
+                      <a:schemeClr val="tx1"/>
+                    </a:solidFill>
+                    <a:latin typeface="Gill Sans MT" pitchFamily="34" charset="0"/>
+                  </a:defRPr>
+                </a:lvl1pPr>
+                <a:lvl2pPr marL="742950" indent="-285750" eaLnBrk="0" hangingPunct="0">
+                  <a:defRPr sz="2400">
+                    <a:solidFill>
+                      <a:schemeClr val="tx1"/>
+                    </a:solidFill>
+                    <a:latin typeface="Gill Sans MT" pitchFamily="34" charset="0"/>
+                  </a:defRPr>
+                </a:lvl2pPr>
+                <a:lvl3pPr marL="1143000" indent="-228600" eaLnBrk="0" hangingPunct="0">
+                  <a:defRPr sz="2400">
+                    <a:solidFill>
+                      <a:schemeClr val="tx1"/>
+                    </a:solidFill>
+                    <a:latin typeface="Gill Sans MT" pitchFamily="34" charset="0"/>
+                  </a:defRPr>
+                </a:lvl3pPr>
+                <a:lvl4pPr marL="1600200" indent="-228600" eaLnBrk="0" hangingPunct="0">
+                  <a:defRPr sz="2400">
+                    <a:solidFill>
+                      <a:schemeClr val="tx1"/>
+                    </a:solidFill>
+                    <a:latin typeface="Gill Sans MT" pitchFamily="34" charset="0"/>
+                  </a:defRPr>
+                </a:lvl4pPr>
+                <a:lvl5pPr marL="2057400" indent="-228600" eaLnBrk="0" hangingPunct="0">
+                  <a:defRPr sz="2400">
+                    <a:solidFill>
+                      <a:schemeClr val="tx1"/>
+                    </a:solidFill>
+                    <a:latin typeface="Gill Sans MT" pitchFamily="34" charset="0"/>
+                  </a:defRPr>
+                </a:lvl5pPr>
+                <a:lvl6pPr marL="2514600" indent="-228600" eaLnBrk="0" fontAlgn="base" hangingPunct="0">
+                  <a:spcBef>
+                    <a:spcPct val="0"/>
+                  </a:spcBef>
+                  <a:spcAft>
+                    <a:spcPct val="0"/>
+                  </a:spcAft>
+                  <a:defRPr sz="2400">
+                    <a:solidFill>
+                      <a:schemeClr val="tx1"/>
+                    </a:solidFill>
+                    <a:latin typeface="Gill Sans MT" pitchFamily="34" charset="0"/>
+                  </a:defRPr>
+                </a:lvl6pPr>
+                <a:lvl7pPr marL="2971800" indent="-228600" eaLnBrk="0" fontAlgn="base" hangingPunct="0">
+                  <a:spcBef>
+                    <a:spcPct val="0"/>
+                  </a:spcBef>
+                  <a:spcAft>
+                    <a:spcPct val="0"/>
+                  </a:spcAft>
+                  <a:defRPr sz="2400">
+                    <a:solidFill>
+                      <a:schemeClr val="tx1"/>
+                    </a:solidFill>
+                    <a:latin typeface="Gill Sans MT" pitchFamily="34" charset="0"/>
+                  </a:defRPr>
+                </a:lvl7pPr>
+                <a:lvl8pPr marL="3429000" indent="-228600" eaLnBrk="0" fontAlgn="base" hangingPunct="0">
+                  <a:spcBef>
+                    <a:spcPct val="0"/>
+                  </a:spcBef>
+                  <a:spcAft>
+                    <a:spcPct val="0"/>
+                  </a:spcAft>
+                  <a:defRPr sz="2400">
+                    <a:solidFill>
+                      <a:schemeClr val="tx1"/>
+                    </a:solidFill>
+                    <a:latin typeface="Gill Sans MT" pitchFamily="34" charset="0"/>
+                  </a:defRPr>
+                </a:lvl8pPr>
+                <a:lvl9pPr marL="3886200" indent="-228600" eaLnBrk="0" fontAlgn="base" hangingPunct="0">
+                  <a:spcBef>
+                    <a:spcPct val="0"/>
+                  </a:spcBef>
+                  <a:spcAft>
+                    <a:spcPct val="0"/>
+                  </a:spcAft>
+                  <a:defRPr sz="2400">
+                    <a:solidFill>
+                      <a:schemeClr val="tx1"/>
+                    </a:solidFill>
+                    <a:latin typeface="Gill Sans MT" pitchFamily="34" charset="0"/>
+                  </a:defRPr>
+                </a:lvl9pPr>
+              </a:lstStyle>
+              <a:p>
+                <a:pPr eaLnBrk="1" hangingPunct="1"/>
+                <a:endParaRPr lang="en-US" altLang="en-US">
+                  <a:latin typeface="+mn-lt"/>
+                </a:endParaRPr>
+              </a:p>
+            </p:txBody>
+          </p:sp>
+          <p:sp>
+            <p:nvSpPr>
+              <p:cNvPr id="17449" name="AutoShape 11"/>
+              <p:cNvSpPr>
+                <a:spLocks noChangeArrowheads="1"/>
+              </p:cNvSpPr>
+              <p:nvPr/>
+            </p:nvSpPr>
+            <p:spPr bwMode="auto">
+              <a:xfrm>
+                <a:off x="3169681" y="3224784"/>
+                <a:ext cx="228600" cy="390144"/>
+              </a:xfrm>
+              <a:prstGeom prst="foldedCorner">
+                <a:avLst>
+                  <a:gd name="adj" fmla="val 12500"/>
+                </a:avLst>
+              </a:prstGeom>
+              <a:solidFill>
+                <a:schemeClr val="accent1"/>
+              </a:solidFill>
+              <a:ln w="9525">
+                <a:solidFill>
+                  <a:schemeClr val="tx1"/>
+                </a:solidFill>
+                <a:round/>
+                <a:headEnd/>
+                <a:tailEnd/>
+              </a:ln>
+            </p:spPr>
+            <p:txBody>
+              <a:bodyPr wrap="none" anchor="ctr"/>
+              <a:lstStyle>
+                <a:lvl1pPr eaLnBrk="0" hangingPunct="0">
+                  <a:defRPr sz="2400">
+                    <a:solidFill>
+                      <a:schemeClr val="tx1"/>
+                    </a:solidFill>
+                    <a:latin typeface="Gill Sans MT" pitchFamily="34" charset="0"/>
+                  </a:defRPr>
+                </a:lvl1pPr>
+                <a:lvl2pPr marL="742950" indent="-285750" eaLnBrk="0" hangingPunct="0">
+                  <a:defRPr sz="2400">
+                    <a:solidFill>
+                      <a:schemeClr val="tx1"/>
+                    </a:solidFill>
+                    <a:latin typeface="Gill Sans MT" pitchFamily="34" charset="0"/>
+                  </a:defRPr>
+                </a:lvl2pPr>
+                <a:lvl3pPr marL="1143000" indent="-228600" eaLnBrk="0" hangingPunct="0">
+                  <a:defRPr sz="2400">
+                    <a:solidFill>
+                      <a:schemeClr val="tx1"/>
+                    </a:solidFill>
+                    <a:latin typeface="Gill Sans MT" pitchFamily="34" charset="0"/>
+                  </a:defRPr>
+                </a:lvl3pPr>
+                <a:lvl4pPr marL="1600200" indent="-228600" eaLnBrk="0" hangingPunct="0">
+                  <a:defRPr sz="2400">
+                    <a:solidFill>
+                      <a:schemeClr val="tx1"/>
+                    </a:solidFill>
+                    <a:latin typeface="Gill Sans MT" pitchFamily="34" charset="0"/>
+                  </a:defRPr>
+                </a:lvl4pPr>
+                <a:lvl5pPr marL="2057400" indent="-228600" eaLnBrk="0" hangingPunct="0">
+                  <a:defRPr sz="2400">
+                    <a:solidFill>
+                      <a:schemeClr val="tx1"/>
+                    </a:solidFill>
+                    <a:latin typeface="Gill Sans MT" pitchFamily="34" charset="0"/>
+                  </a:defRPr>
+                </a:lvl5pPr>
+                <a:lvl6pPr marL="2514600" indent="-228600" eaLnBrk="0" fontAlgn="base" hangingPunct="0">
+                  <a:spcBef>
+                    <a:spcPct val="0"/>
+                  </a:spcBef>
+                  <a:spcAft>
+                    <a:spcPct val="0"/>
+                  </a:spcAft>
+                  <a:defRPr sz="2400">
+                    <a:solidFill>
+                      <a:schemeClr val="tx1"/>
+                    </a:solidFill>
+                    <a:latin typeface="Gill Sans MT" pitchFamily="34" charset="0"/>
+                  </a:defRPr>
+                </a:lvl6pPr>
+                <a:lvl7pPr marL="2971800" indent="-228600" eaLnBrk="0" fontAlgn="base" hangingPunct="0">
+                  <a:spcBef>
+                    <a:spcPct val="0"/>
+                  </a:spcBef>
+                  <a:spcAft>
+                    <a:spcPct val="0"/>
+                  </a:spcAft>
+                  <a:defRPr sz="2400">
+                    <a:solidFill>
+                      <a:schemeClr val="tx1"/>
+                    </a:solidFill>
+                    <a:latin typeface="Gill Sans MT" pitchFamily="34" charset="0"/>
+                  </a:defRPr>
+                </a:lvl7pPr>
+                <a:lvl8pPr marL="3429000" indent="-228600" eaLnBrk="0" fontAlgn="base" hangingPunct="0">
+                  <a:spcBef>
+                    <a:spcPct val="0"/>
+                  </a:spcBef>
+                  <a:spcAft>
+                    <a:spcPct val="0"/>
+                  </a:spcAft>
+                  <a:defRPr sz="2400">
+                    <a:solidFill>
+                      <a:schemeClr val="tx1"/>
+                    </a:solidFill>
+                    <a:latin typeface="Gill Sans MT" pitchFamily="34" charset="0"/>
+                  </a:defRPr>
+                </a:lvl8pPr>
+                <a:lvl9pPr marL="3886200" indent="-228600" eaLnBrk="0" fontAlgn="base" hangingPunct="0">
+                  <a:spcBef>
+                    <a:spcPct val="0"/>
+                  </a:spcBef>
+                  <a:spcAft>
+                    <a:spcPct val="0"/>
+                  </a:spcAft>
+                  <a:defRPr sz="2400">
+                    <a:solidFill>
+                      <a:schemeClr val="tx1"/>
+                    </a:solidFill>
+                    <a:latin typeface="Gill Sans MT" pitchFamily="34" charset="0"/>
+                  </a:defRPr>
+                </a:lvl9pPr>
+              </a:lstStyle>
+              <a:p>
+                <a:pPr eaLnBrk="1" hangingPunct="1"/>
+                <a:endParaRPr lang="en-US" altLang="en-US">
+                  <a:latin typeface="+mn-lt"/>
+                </a:endParaRPr>
+              </a:p>
+            </p:txBody>
+          </p:sp>
+          <p:sp>
+            <p:nvSpPr>
+              <p:cNvPr id="17450" name="AutoShape 12"/>
+              <p:cNvSpPr>
+                <a:spLocks noChangeArrowheads="1"/>
+              </p:cNvSpPr>
+              <p:nvPr/>
+            </p:nvSpPr>
+            <p:spPr bwMode="auto">
+              <a:xfrm>
+                <a:off x="3261121" y="3322320"/>
+                <a:ext cx="228600" cy="390144"/>
+              </a:xfrm>
+              <a:prstGeom prst="foldedCorner">
+                <a:avLst>
+                  <a:gd name="adj" fmla="val 12500"/>
+                </a:avLst>
+              </a:prstGeom>
+              <a:solidFill>
+                <a:schemeClr val="accent1"/>
+              </a:solidFill>
+              <a:ln w="9525">
+                <a:solidFill>
+                  <a:schemeClr val="tx1"/>
+                </a:solidFill>
+                <a:round/>
+                <a:headEnd/>
+                <a:tailEnd/>
+              </a:ln>
+            </p:spPr>
+            <p:txBody>
+              <a:bodyPr wrap="none" anchor="ctr"/>
+              <a:lstStyle>
+                <a:lvl1pPr eaLnBrk="0" hangingPunct="0">
+                  <a:defRPr sz="2400">
+                    <a:solidFill>
+                      <a:schemeClr val="tx1"/>
+                    </a:solidFill>
+                    <a:latin typeface="Gill Sans MT" pitchFamily="34" charset="0"/>
+                  </a:defRPr>
+                </a:lvl1pPr>
+                <a:lvl2pPr marL="742950" indent="-285750" eaLnBrk="0" hangingPunct="0">
+                  <a:defRPr sz="2400">
+                    <a:solidFill>
+                      <a:schemeClr val="tx1"/>
+                    </a:solidFill>
+                    <a:latin typeface="Gill Sans MT" pitchFamily="34" charset="0"/>
+                  </a:defRPr>
+                </a:lvl2pPr>
+                <a:lvl3pPr marL="1143000" indent="-228600" eaLnBrk="0" hangingPunct="0">
+                  <a:defRPr sz="2400">
+                    <a:solidFill>
+                      <a:schemeClr val="tx1"/>
+                    </a:solidFill>
+                    <a:latin typeface="Gill Sans MT" pitchFamily="34" charset="0"/>
+                  </a:defRPr>
+                </a:lvl3pPr>
+                <a:lvl4pPr marL="1600200" indent="-228600" eaLnBrk="0" hangingPunct="0">
+                  <a:defRPr sz="2400">
+                    <a:solidFill>
+                      <a:schemeClr val="tx1"/>
+                    </a:solidFill>
+                    <a:latin typeface="Gill Sans MT" pitchFamily="34" charset="0"/>
+                  </a:defRPr>
+                </a:lvl4pPr>
+                <a:lvl5pPr marL="2057400" indent="-228600" eaLnBrk="0" hangingPunct="0">
+                  <a:defRPr sz="2400">
+                    <a:solidFill>
+                      <a:schemeClr val="tx1"/>
+                    </a:solidFill>
+                    <a:latin typeface="Gill Sans MT" pitchFamily="34" charset="0"/>
+                  </a:defRPr>
+                </a:lvl5pPr>
+                <a:lvl6pPr marL="2514600" indent="-228600" eaLnBrk="0" fontAlgn="base" hangingPunct="0">
+                  <a:spcBef>
+                    <a:spcPct val="0"/>
+                  </a:spcBef>
+                  <a:spcAft>
+                    <a:spcPct val="0"/>
+                  </a:spcAft>
+                  <a:defRPr sz="2400">
+                    <a:solidFill>
+                      <a:schemeClr val="tx1"/>
+                    </a:solidFill>
+                    <a:latin typeface="Gill Sans MT" pitchFamily="34" charset="0"/>
+                  </a:defRPr>
+                </a:lvl6pPr>
+                <a:lvl7pPr marL="2971800" indent="-228600" eaLnBrk="0" fontAlgn="base" hangingPunct="0">
+                  <a:spcBef>
+                    <a:spcPct val="0"/>
+                  </a:spcBef>
+                  <a:spcAft>
+                    <a:spcPct val="0"/>
+                  </a:spcAft>
+                  <a:defRPr sz="2400">
+                    <a:solidFill>
+                      <a:schemeClr val="tx1"/>
+                    </a:solidFill>
+                    <a:latin typeface="Gill Sans MT" pitchFamily="34" charset="0"/>
+                  </a:defRPr>
+                </a:lvl7pPr>
+                <a:lvl8pPr marL="3429000" indent="-228600" eaLnBrk="0" fontAlgn="base" hangingPunct="0">
+                  <a:spcBef>
+                    <a:spcPct val="0"/>
+                  </a:spcBef>
+                  <a:spcAft>
+                    <a:spcPct val="0"/>
+                  </a:spcAft>
+                  <a:defRPr sz="2400">
+                    <a:solidFill>
+                      <a:schemeClr val="tx1"/>
+                    </a:solidFill>
+                    <a:latin typeface="Gill Sans MT" pitchFamily="34" charset="0"/>
+                  </a:defRPr>
+                </a:lvl8pPr>
+                <a:lvl9pPr marL="3886200" indent="-228600" eaLnBrk="0" fontAlgn="base" hangingPunct="0">
+                  <a:spcBef>
+                    <a:spcPct val="0"/>
+                  </a:spcBef>
+                  <a:spcAft>
+                    <a:spcPct val="0"/>
+                  </a:spcAft>
+                  <a:defRPr sz="2400">
+                    <a:solidFill>
+                      <a:schemeClr val="tx1"/>
+                    </a:solidFill>
+                    <a:latin typeface="Gill Sans MT" pitchFamily="34" charset="0"/>
+                  </a:defRPr>
+                </a:lvl9pPr>
+              </a:lstStyle>
+              <a:p>
+                <a:pPr eaLnBrk="1" hangingPunct="1"/>
+                <a:endParaRPr lang="en-US" altLang="en-US">
+                  <a:latin typeface="+mn-lt"/>
+                </a:endParaRPr>
+              </a:p>
+            </p:txBody>
+          </p:sp>
+        </p:grpSp>
+        <p:grpSp>
+          <p:nvGrpSpPr>
+            <p:cNvPr id="38" name="Group 37"/>
+            <p:cNvGrpSpPr/>
+            <p:nvPr/>
+          </p:nvGrpSpPr>
+          <p:grpSpPr>
+            <a:xfrm>
+              <a:off x="4563533" y="1097280"/>
+              <a:ext cx="1097280" cy="731520"/>
+              <a:chOff x="2392441" y="2980944"/>
+              <a:chExt cx="1097280" cy="731520"/>
+            </a:xfrm>
+          </p:grpSpPr>
+          <p:sp>
+            <p:nvSpPr>
+              <p:cNvPr id="39" name="AutoShape 5"/>
+              <p:cNvSpPr>
+                <a:spLocks noChangeArrowheads="1"/>
+              </p:cNvSpPr>
+              <p:nvPr/>
+            </p:nvSpPr>
+            <p:spPr bwMode="auto">
+              <a:xfrm>
+                <a:off x="2392441" y="2980944"/>
+                <a:ext cx="274320" cy="390144"/>
+              </a:xfrm>
+              <a:prstGeom prst="foldedCorner">
+                <a:avLst>
+                  <a:gd name="adj" fmla="val 12500"/>
+                </a:avLst>
+              </a:prstGeom>
+              <a:solidFill>
+                <a:schemeClr val="accent1"/>
+              </a:solidFill>
+              <a:ln w="9525">
+                <a:solidFill>
+                  <a:schemeClr val="tx1"/>
+                </a:solidFill>
+                <a:round/>
+                <a:headEnd/>
+                <a:tailEnd/>
+              </a:ln>
+            </p:spPr>
+            <p:txBody>
+              <a:bodyPr wrap="none" anchor="ctr"/>
+              <a:lstStyle>
+                <a:lvl1pPr eaLnBrk="0" hangingPunct="0">
+                  <a:defRPr sz="2400">
+                    <a:solidFill>
+                      <a:schemeClr val="tx1"/>
+                    </a:solidFill>
+                    <a:latin typeface="Gill Sans MT" pitchFamily="34" charset="0"/>
+                  </a:defRPr>
+                </a:lvl1pPr>
+                <a:lvl2pPr marL="742950" indent="-285750" eaLnBrk="0" hangingPunct="0">
+                  <a:defRPr sz="2400">
+                    <a:solidFill>
+                      <a:schemeClr val="tx1"/>
+                    </a:solidFill>
+                    <a:latin typeface="Gill Sans MT" pitchFamily="34" charset="0"/>
+                  </a:defRPr>
+                </a:lvl2pPr>
+                <a:lvl3pPr marL="1143000" indent="-228600" eaLnBrk="0" hangingPunct="0">
+                  <a:defRPr sz="2400">
+                    <a:solidFill>
+                      <a:schemeClr val="tx1"/>
+                    </a:solidFill>
+                    <a:latin typeface="Gill Sans MT" pitchFamily="34" charset="0"/>
+                  </a:defRPr>
+                </a:lvl3pPr>
+                <a:lvl4pPr marL="1600200" indent="-228600" eaLnBrk="0" hangingPunct="0">
+                  <a:defRPr sz="2400">
+                    <a:solidFill>
+                      <a:schemeClr val="tx1"/>
+                    </a:solidFill>
+                    <a:latin typeface="Gill Sans MT" pitchFamily="34" charset="0"/>
+                  </a:defRPr>
+                </a:lvl4pPr>
+                <a:lvl5pPr marL="2057400" indent="-228600" eaLnBrk="0" hangingPunct="0">
+                  <a:defRPr sz="2400">
+                    <a:solidFill>
+                      <a:schemeClr val="tx1"/>
+                    </a:solidFill>
+                    <a:latin typeface="Gill Sans MT" pitchFamily="34" charset="0"/>
+                  </a:defRPr>
+                </a:lvl5pPr>
+                <a:lvl6pPr marL="2514600" indent="-228600" eaLnBrk="0" fontAlgn="base" hangingPunct="0">
+                  <a:spcBef>
+                    <a:spcPct val="0"/>
+                  </a:spcBef>
+                  <a:spcAft>
+                    <a:spcPct val="0"/>
+                  </a:spcAft>
+                  <a:defRPr sz="2400">
+                    <a:solidFill>
+                      <a:schemeClr val="tx1"/>
+                    </a:solidFill>
+                    <a:latin typeface="Gill Sans MT" pitchFamily="34" charset="0"/>
+                  </a:defRPr>
+                </a:lvl6pPr>
+                <a:lvl7pPr marL="2971800" indent="-228600" eaLnBrk="0" fontAlgn="base" hangingPunct="0">
+                  <a:spcBef>
+                    <a:spcPct val="0"/>
+                  </a:spcBef>
+                  <a:spcAft>
+                    <a:spcPct val="0"/>
+                  </a:spcAft>
+                  <a:defRPr sz="2400">
+                    <a:solidFill>
+                      <a:schemeClr val="tx1"/>
+                    </a:solidFill>
+                    <a:latin typeface="Gill Sans MT" pitchFamily="34" charset="0"/>
+                  </a:defRPr>
+                </a:lvl7pPr>
+                <a:lvl8pPr marL="3429000" indent="-228600" eaLnBrk="0" fontAlgn="base" hangingPunct="0">
+                  <a:spcBef>
+                    <a:spcPct val="0"/>
+                  </a:spcBef>
+                  <a:spcAft>
+                    <a:spcPct val="0"/>
+                  </a:spcAft>
+                  <a:defRPr sz="2400">
+                    <a:solidFill>
+                      <a:schemeClr val="tx1"/>
+                    </a:solidFill>
+                    <a:latin typeface="Gill Sans MT" pitchFamily="34" charset="0"/>
+                  </a:defRPr>
+                </a:lvl8pPr>
+                <a:lvl9pPr marL="3886200" indent="-228600" eaLnBrk="0" fontAlgn="base" hangingPunct="0">
+                  <a:spcBef>
+                    <a:spcPct val="0"/>
+                  </a:spcBef>
+                  <a:spcAft>
+                    <a:spcPct val="0"/>
+                  </a:spcAft>
+                  <a:defRPr sz="2400">
+                    <a:solidFill>
+                      <a:schemeClr val="tx1"/>
+                    </a:solidFill>
+                    <a:latin typeface="Gill Sans MT" pitchFamily="34" charset="0"/>
+                  </a:defRPr>
+                </a:lvl9pPr>
+              </a:lstStyle>
+              <a:p>
+                <a:pPr eaLnBrk="1" hangingPunct="1"/>
+                <a:endParaRPr lang="en-US" altLang="en-US">
+                  <a:latin typeface="+mn-lt"/>
+                </a:endParaRPr>
+              </a:p>
+            </p:txBody>
+          </p:sp>
+          <p:sp>
+            <p:nvSpPr>
+              <p:cNvPr id="40" name="AutoShape 6"/>
+              <p:cNvSpPr>
+                <a:spLocks noChangeArrowheads="1"/>
+              </p:cNvSpPr>
+              <p:nvPr/>
+            </p:nvSpPr>
+            <p:spPr bwMode="auto">
+              <a:xfrm>
+                <a:off x="2483881" y="3078480"/>
+                <a:ext cx="274320" cy="390144"/>
+              </a:xfrm>
+              <a:prstGeom prst="foldedCorner">
+                <a:avLst>
+                  <a:gd name="adj" fmla="val 12500"/>
+                </a:avLst>
+              </a:prstGeom>
+              <a:solidFill>
+                <a:schemeClr val="accent1"/>
+              </a:solidFill>
+              <a:ln w="9525">
+                <a:solidFill>
+                  <a:schemeClr val="tx1"/>
+                </a:solidFill>
+                <a:round/>
+                <a:headEnd/>
+                <a:tailEnd/>
+              </a:ln>
+            </p:spPr>
+            <p:txBody>
+              <a:bodyPr wrap="none" anchor="ctr"/>
+              <a:lstStyle>
+                <a:lvl1pPr eaLnBrk="0" hangingPunct="0">
+                  <a:defRPr sz="2400">
+                    <a:solidFill>
+                      <a:schemeClr val="tx1"/>
+                    </a:solidFill>
+                    <a:latin typeface="Gill Sans MT" pitchFamily="34" charset="0"/>
+                  </a:defRPr>
+                </a:lvl1pPr>
+                <a:lvl2pPr marL="742950" indent="-285750" eaLnBrk="0" hangingPunct="0">
+                  <a:defRPr sz="2400">
+                    <a:solidFill>
+                      <a:schemeClr val="tx1"/>
+                    </a:solidFill>
+                    <a:latin typeface="Gill Sans MT" pitchFamily="34" charset="0"/>
+                  </a:defRPr>
+                </a:lvl2pPr>
+                <a:lvl3pPr marL="1143000" indent="-228600" eaLnBrk="0" hangingPunct="0">
+                  <a:defRPr sz="2400">
+                    <a:solidFill>
+                      <a:schemeClr val="tx1"/>
+                    </a:solidFill>
+                    <a:latin typeface="Gill Sans MT" pitchFamily="34" charset="0"/>
+                  </a:defRPr>
+                </a:lvl3pPr>
+                <a:lvl4pPr marL="1600200" indent="-228600" eaLnBrk="0" hangingPunct="0">
+                  <a:defRPr sz="2400">
+                    <a:solidFill>
+                      <a:schemeClr val="tx1"/>
+                    </a:solidFill>
+                    <a:latin typeface="Gill Sans MT" pitchFamily="34" charset="0"/>
+                  </a:defRPr>
+                </a:lvl4pPr>
+                <a:lvl5pPr marL="2057400" indent="-228600" eaLnBrk="0" hangingPunct="0">
+                  <a:defRPr sz="2400">
+                    <a:solidFill>
+                      <a:schemeClr val="tx1"/>
+                    </a:solidFill>
+                    <a:latin typeface="Gill Sans MT" pitchFamily="34" charset="0"/>
+                  </a:defRPr>
+                </a:lvl5pPr>
+                <a:lvl6pPr marL="2514600" indent="-228600" eaLnBrk="0" fontAlgn="base" hangingPunct="0">
+                  <a:spcBef>
+                    <a:spcPct val="0"/>
+                  </a:spcBef>
+                  <a:spcAft>
+                    <a:spcPct val="0"/>
+                  </a:spcAft>
+                  <a:defRPr sz="2400">
+                    <a:solidFill>
+                      <a:schemeClr val="tx1"/>
+                    </a:solidFill>
+                    <a:latin typeface="Gill Sans MT" pitchFamily="34" charset="0"/>
+                  </a:defRPr>
+                </a:lvl6pPr>
+                <a:lvl7pPr marL="2971800" indent="-228600" eaLnBrk="0" fontAlgn="base" hangingPunct="0">
+                  <a:spcBef>
+                    <a:spcPct val="0"/>
+                  </a:spcBef>
+                  <a:spcAft>
+                    <a:spcPct val="0"/>
+                  </a:spcAft>
+                  <a:defRPr sz="2400">
+                    <a:solidFill>
+                      <a:schemeClr val="tx1"/>
+                    </a:solidFill>
+                    <a:latin typeface="Gill Sans MT" pitchFamily="34" charset="0"/>
+                  </a:defRPr>
+                </a:lvl7pPr>
+                <a:lvl8pPr marL="3429000" indent="-228600" eaLnBrk="0" fontAlgn="base" hangingPunct="0">
+                  <a:spcBef>
+                    <a:spcPct val="0"/>
+                  </a:spcBef>
+                  <a:spcAft>
+                    <a:spcPct val="0"/>
+                  </a:spcAft>
+                  <a:defRPr sz="2400">
+                    <a:solidFill>
+                      <a:schemeClr val="tx1"/>
+                    </a:solidFill>
+                    <a:latin typeface="Gill Sans MT" pitchFamily="34" charset="0"/>
+                  </a:defRPr>
+                </a:lvl8pPr>
+                <a:lvl9pPr marL="3886200" indent="-228600" eaLnBrk="0" fontAlgn="base" hangingPunct="0">
+                  <a:spcBef>
+                    <a:spcPct val="0"/>
+                  </a:spcBef>
+                  <a:spcAft>
+                    <a:spcPct val="0"/>
+                  </a:spcAft>
+                  <a:defRPr sz="2400">
+                    <a:solidFill>
+                      <a:schemeClr val="tx1"/>
+                    </a:solidFill>
+                    <a:latin typeface="Gill Sans MT" pitchFamily="34" charset="0"/>
+                  </a:defRPr>
+                </a:lvl9pPr>
+              </a:lstStyle>
+              <a:p>
+                <a:pPr eaLnBrk="1" hangingPunct="1"/>
+                <a:endParaRPr lang="en-US" altLang="en-US">
+                  <a:latin typeface="+mn-lt"/>
+                </a:endParaRPr>
+              </a:p>
+            </p:txBody>
+          </p:sp>
+          <p:sp>
+            <p:nvSpPr>
+              <p:cNvPr id="41" name="AutoShape 7"/>
+              <p:cNvSpPr>
+                <a:spLocks noChangeArrowheads="1"/>
+              </p:cNvSpPr>
+              <p:nvPr/>
+            </p:nvSpPr>
+            <p:spPr bwMode="auto">
+              <a:xfrm>
+                <a:off x="2575321" y="3176016"/>
+                <a:ext cx="274320" cy="390144"/>
+              </a:xfrm>
+              <a:prstGeom prst="foldedCorner">
+                <a:avLst>
+                  <a:gd name="adj" fmla="val 12500"/>
+                </a:avLst>
+              </a:prstGeom>
+              <a:solidFill>
+                <a:schemeClr val="accent1"/>
+              </a:solidFill>
+              <a:ln w="9525">
+                <a:solidFill>
+                  <a:schemeClr val="tx1"/>
+                </a:solidFill>
+                <a:round/>
+                <a:headEnd/>
+                <a:tailEnd/>
+              </a:ln>
+            </p:spPr>
+            <p:txBody>
+              <a:bodyPr wrap="none" anchor="ctr"/>
+              <a:lstStyle>
+                <a:lvl1pPr eaLnBrk="0" hangingPunct="0">
+                  <a:defRPr sz="2400">
+                    <a:solidFill>
+                      <a:schemeClr val="tx1"/>
+                    </a:solidFill>
+                    <a:latin typeface="Gill Sans MT" pitchFamily="34" charset="0"/>
+                  </a:defRPr>
+                </a:lvl1pPr>
+                <a:lvl2pPr marL="742950" indent="-285750" eaLnBrk="0" hangingPunct="0">
+                  <a:defRPr sz="2400">
+                    <a:solidFill>
+                      <a:schemeClr val="tx1"/>
+                    </a:solidFill>
+                    <a:latin typeface="Gill Sans MT" pitchFamily="34" charset="0"/>
+                  </a:defRPr>
+                </a:lvl2pPr>
+                <a:lvl3pPr marL="1143000" indent="-228600" eaLnBrk="0" hangingPunct="0">
+                  <a:defRPr sz="2400">
+                    <a:solidFill>
+                      <a:schemeClr val="tx1"/>
+                    </a:solidFill>
+                    <a:latin typeface="Gill Sans MT" pitchFamily="34" charset="0"/>
+                  </a:defRPr>
+                </a:lvl3pPr>
+                <a:lvl4pPr marL="1600200" indent="-228600" eaLnBrk="0" hangingPunct="0">
+                  <a:defRPr sz="2400">
+                    <a:solidFill>
+                      <a:schemeClr val="tx1"/>
+                    </a:solidFill>
+                    <a:latin typeface="Gill Sans MT" pitchFamily="34" charset="0"/>
+                  </a:defRPr>
+                </a:lvl4pPr>
+                <a:lvl5pPr marL="2057400" indent="-228600" eaLnBrk="0" hangingPunct="0">
+                  <a:defRPr sz="2400">
+                    <a:solidFill>
+                      <a:schemeClr val="tx1"/>
+                    </a:solidFill>
+                    <a:latin typeface="Gill Sans MT" pitchFamily="34" charset="0"/>
+                  </a:defRPr>
+                </a:lvl5pPr>
+                <a:lvl6pPr marL="2514600" indent="-228600" eaLnBrk="0" fontAlgn="base" hangingPunct="0">
+                  <a:spcBef>
+                    <a:spcPct val="0"/>
+                  </a:spcBef>
+                  <a:spcAft>
+                    <a:spcPct val="0"/>
+                  </a:spcAft>
+                  <a:defRPr sz="2400">
+                    <a:solidFill>
+                      <a:schemeClr val="tx1"/>
+                    </a:solidFill>
+                    <a:latin typeface="Gill Sans MT" pitchFamily="34" charset="0"/>
+                  </a:defRPr>
+                </a:lvl6pPr>
+                <a:lvl7pPr marL="2971800" indent="-228600" eaLnBrk="0" fontAlgn="base" hangingPunct="0">
+                  <a:spcBef>
+                    <a:spcPct val="0"/>
+                  </a:spcBef>
+                  <a:spcAft>
+                    <a:spcPct val="0"/>
+                  </a:spcAft>
+                  <a:defRPr sz="2400">
+                    <a:solidFill>
+                      <a:schemeClr val="tx1"/>
+                    </a:solidFill>
+                    <a:latin typeface="Gill Sans MT" pitchFamily="34" charset="0"/>
+                  </a:defRPr>
+                </a:lvl7pPr>
+                <a:lvl8pPr marL="3429000" indent="-228600" eaLnBrk="0" fontAlgn="base" hangingPunct="0">
+                  <a:spcBef>
+                    <a:spcPct val="0"/>
+                  </a:spcBef>
+                  <a:spcAft>
+                    <a:spcPct val="0"/>
+                  </a:spcAft>
+                  <a:defRPr sz="2400">
+                    <a:solidFill>
+                      <a:schemeClr val="tx1"/>
+                    </a:solidFill>
+                    <a:latin typeface="Gill Sans MT" pitchFamily="34" charset="0"/>
+                  </a:defRPr>
+                </a:lvl8pPr>
+                <a:lvl9pPr marL="3886200" indent="-228600" eaLnBrk="0" fontAlgn="base" hangingPunct="0">
+                  <a:spcBef>
+                    <a:spcPct val="0"/>
+                  </a:spcBef>
+                  <a:spcAft>
+                    <a:spcPct val="0"/>
+                  </a:spcAft>
+                  <a:defRPr sz="2400">
+                    <a:solidFill>
+                      <a:schemeClr val="tx1"/>
+                    </a:solidFill>
+                    <a:latin typeface="Gill Sans MT" pitchFamily="34" charset="0"/>
+                  </a:defRPr>
+                </a:lvl9pPr>
+              </a:lstStyle>
+              <a:p>
+                <a:pPr eaLnBrk="1" hangingPunct="1"/>
+                <a:endParaRPr lang="en-US" altLang="en-US">
+                  <a:latin typeface="+mn-lt"/>
+                </a:endParaRPr>
+              </a:p>
+            </p:txBody>
+          </p:sp>
+          <p:sp>
+            <p:nvSpPr>
+              <p:cNvPr id="42" name="AutoShape 8"/>
+              <p:cNvSpPr>
+                <a:spLocks noChangeArrowheads="1"/>
+              </p:cNvSpPr>
+              <p:nvPr/>
+            </p:nvSpPr>
+            <p:spPr bwMode="auto">
+              <a:xfrm>
+                <a:off x="2666761" y="3273552"/>
+                <a:ext cx="274320" cy="390144"/>
+              </a:xfrm>
+              <a:prstGeom prst="foldedCorner">
+                <a:avLst>
+                  <a:gd name="adj" fmla="val 12500"/>
+                </a:avLst>
+              </a:prstGeom>
+              <a:solidFill>
+                <a:schemeClr val="accent1"/>
+              </a:solidFill>
+              <a:ln w="9525">
+                <a:solidFill>
+                  <a:schemeClr val="tx1"/>
+                </a:solidFill>
+                <a:round/>
+                <a:headEnd/>
+                <a:tailEnd/>
+              </a:ln>
+            </p:spPr>
+            <p:txBody>
+              <a:bodyPr wrap="none" anchor="ctr"/>
+              <a:lstStyle>
+                <a:lvl1pPr eaLnBrk="0" hangingPunct="0">
+                  <a:defRPr sz="2400">
+                    <a:solidFill>
+                      <a:schemeClr val="tx1"/>
+                    </a:solidFill>
+                    <a:latin typeface="Gill Sans MT" pitchFamily="34" charset="0"/>
+                  </a:defRPr>
+                </a:lvl1pPr>
+                <a:lvl2pPr marL="742950" indent="-285750" eaLnBrk="0" hangingPunct="0">
+                  <a:defRPr sz="2400">
+                    <a:solidFill>
+                      <a:schemeClr val="tx1"/>
+                    </a:solidFill>
+                    <a:latin typeface="Gill Sans MT" pitchFamily="34" charset="0"/>
+                  </a:defRPr>
+                </a:lvl2pPr>
+                <a:lvl3pPr marL="1143000" indent="-228600" eaLnBrk="0" hangingPunct="0">
+                  <a:defRPr sz="2400">
+                    <a:solidFill>
+                      <a:schemeClr val="tx1"/>
+                    </a:solidFill>
+                    <a:latin typeface="Gill Sans MT" pitchFamily="34" charset="0"/>
+                  </a:defRPr>
+                </a:lvl3pPr>
+                <a:lvl4pPr marL="1600200" indent="-228600" eaLnBrk="0" hangingPunct="0">
+                  <a:defRPr sz="2400">
+                    <a:solidFill>
+                      <a:schemeClr val="tx1"/>
+                    </a:solidFill>
+                    <a:latin typeface="Gill Sans MT" pitchFamily="34" charset="0"/>
+                  </a:defRPr>
+                </a:lvl4pPr>
+                <a:lvl5pPr marL="2057400" indent="-228600" eaLnBrk="0" hangingPunct="0">
+                  <a:defRPr sz="2400">
+                    <a:solidFill>
+                      <a:schemeClr val="tx1"/>
+                    </a:solidFill>
+                    <a:latin typeface="Gill Sans MT" pitchFamily="34" charset="0"/>
+                  </a:defRPr>
+                </a:lvl5pPr>
+                <a:lvl6pPr marL="2514600" indent="-228600" eaLnBrk="0" fontAlgn="base" hangingPunct="0">
+                  <a:spcBef>
+                    <a:spcPct val="0"/>
+                  </a:spcBef>
+                  <a:spcAft>
+                    <a:spcPct val="0"/>
+                  </a:spcAft>
+                  <a:defRPr sz="2400">
+                    <a:solidFill>
+                      <a:schemeClr val="tx1"/>
+                    </a:solidFill>
+                    <a:latin typeface="Gill Sans MT" pitchFamily="34" charset="0"/>
+                  </a:defRPr>
+                </a:lvl6pPr>
+                <a:lvl7pPr marL="2971800" indent="-228600" eaLnBrk="0" fontAlgn="base" hangingPunct="0">
+                  <a:spcBef>
+                    <a:spcPct val="0"/>
+                  </a:spcBef>
+                  <a:spcAft>
+                    <a:spcPct val="0"/>
+                  </a:spcAft>
+                  <a:defRPr sz="2400">
+                    <a:solidFill>
+                      <a:schemeClr val="tx1"/>
+                    </a:solidFill>
+                    <a:latin typeface="Gill Sans MT" pitchFamily="34" charset="0"/>
+                  </a:defRPr>
+                </a:lvl7pPr>
+                <a:lvl8pPr marL="3429000" indent="-228600" eaLnBrk="0" fontAlgn="base" hangingPunct="0">
+                  <a:spcBef>
+                    <a:spcPct val="0"/>
+                  </a:spcBef>
+                  <a:spcAft>
+                    <a:spcPct val="0"/>
+                  </a:spcAft>
+                  <a:defRPr sz="2400">
+                    <a:solidFill>
+                      <a:schemeClr val="tx1"/>
+                    </a:solidFill>
+                    <a:latin typeface="Gill Sans MT" pitchFamily="34" charset="0"/>
+                  </a:defRPr>
+                </a:lvl8pPr>
+                <a:lvl9pPr marL="3886200" indent="-228600" eaLnBrk="0" fontAlgn="base" hangingPunct="0">
+                  <a:spcBef>
+                    <a:spcPct val="0"/>
+                  </a:spcBef>
+                  <a:spcAft>
+                    <a:spcPct val="0"/>
+                  </a:spcAft>
+                  <a:defRPr sz="2400">
+                    <a:solidFill>
+                      <a:schemeClr val="tx1"/>
+                    </a:solidFill>
+                    <a:latin typeface="Gill Sans MT" pitchFamily="34" charset="0"/>
+                  </a:defRPr>
+                </a:lvl9pPr>
+              </a:lstStyle>
+              <a:p>
+                <a:pPr eaLnBrk="1" hangingPunct="1"/>
+                <a:endParaRPr lang="en-US" altLang="en-US">
+                  <a:latin typeface="+mn-lt"/>
+                </a:endParaRPr>
+              </a:p>
+            </p:txBody>
+          </p:sp>
+          <p:sp>
+            <p:nvSpPr>
+              <p:cNvPr id="46" name="AutoShape 9"/>
+              <p:cNvSpPr>
+                <a:spLocks noChangeArrowheads="1"/>
+              </p:cNvSpPr>
+              <p:nvPr/>
+            </p:nvSpPr>
+            <p:spPr bwMode="auto">
+              <a:xfrm>
+                <a:off x="2986801" y="3029712"/>
+                <a:ext cx="228600" cy="390144"/>
+              </a:xfrm>
+              <a:prstGeom prst="foldedCorner">
+                <a:avLst>
+                  <a:gd name="adj" fmla="val 12500"/>
+                </a:avLst>
+              </a:prstGeom>
+              <a:solidFill>
+                <a:schemeClr val="accent1"/>
+              </a:solidFill>
+              <a:ln w="9525">
+                <a:solidFill>
+                  <a:schemeClr val="tx1"/>
+                </a:solidFill>
+                <a:round/>
+                <a:headEnd/>
+                <a:tailEnd/>
+              </a:ln>
+            </p:spPr>
+            <p:txBody>
+              <a:bodyPr wrap="none" anchor="ctr"/>
+              <a:lstStyle>
+                <a:lvl1pPr eaLnBrk="0" hangingPunct="0">
+                  <a:defRPr sz="2400">
+                    <a:solidFill>
+                      <a:schemeClr val="tx1"/>
+                    </a:solidFill>
+                    <a:latin typeface="Gill Sans MT" pitchFamily="34" charset="0"/>
+                  </a:defRPr>
+                </a:lvl1pPr>
+                <a:lvl2pPr marL="742950" indent="-285750" eaLnBrk="0" hangingPunct="0">
+                  <a:defRPr sz="2400">
+                    <a:solidFill>
+                      <a:schemeClr val="tx1"/>
+                    </a:solidFill>
+                    <a:latin typeface="Gill Sans MT" pitchFamily="34" charset="0"/>
+                  </a:defRPr>
+                </a:lvl2pPr>
+                <a:lvl3pPr marL="1143000" indent="-228600" eaLnBrk="0" hangingPunct="0">
+                  <a:defRPr sz="2400">
+                    <a:solidFill>
+                      <a:schemeClr val="tx1"/>
+                    </a:solidFill>
+                    <a:latin typeface="Gill Sans MT" pitchFamily="34" charset="0"/>
+                  </a:defRPr>
+                </a:lvl3pPr>
+                <a:lvl4pPr marL="1600200" indent="-228600" eaLnBrk="0" hangingPunct="0">
+                  <a:defRPr sz="2400">
+                    <a:solidFill>
+                      <a:schemeClr val="tx1"/>
+                    </a:solidFill>
+                    <a:latin typeface="Gill Sans MT" pitchFamily="34" charset="0"/>
+                  </a:defRPr>
+                </a:lvl4pPr>
+                <a:lvl5pPr marL="2057400" indent="-228600" eaLnBrk="0" hangingPunct="0">
+                  <a:defRPr sz="2400">
+                    <a:solidFill>
+                      <a:schemeClr val="tx1"/>
+                    </a:solidFill>
+                    <a:latin typeface="Gill Sans MT" pitchFamily="34" charset="0"/>
+                  </a:defRPr>
+                </a:lvl5pPr>
+                <a:lvl6pPr marL="2514600" indent="-228600" eaLnBrk="0" fontAlgn="base" hangingPunct="0">
+                  <a:spcBef>
+                    <a:spcPct val="0"/>
+                  </a:spcBef>
+                  <a:spcAft>
+                    <a:spcPct val="0"/>
+                  </a:spcAft>
+                  <a:defRPr sz="2400">
+                    <a:solidFill>
+                      <a:schemeClr val="tx1"/>
+                    </a:solidFill>
+                    <a:latin typeface="Gill Sans MT" pitchFamily="34" charset="0"/>
+                  </a:defRPr>
+                </a:lvl6pPr>
+                <a:lvl7pPr marL="2971800" indent="-228600" eaLnBrk="0" fontAlgn="base" hangingPunct="0">
+                  <a:spcBef>
+                    <a:spcPct val="0"/>
+                  </a:spcBef>
+                  <a:spcAft>
+                    <a:spcPct val="0"/>
+                  </a:spcAft>
+                  <a:defRPr sz="2400">
+                    <a:solidFill>
+                      <a:schemeClr val="tx1"/>
+                    </a:solidFill>
+                    <a:latin typeface="Gill Sans MT" pitchFamily="34" charset="0"/>
+                  </a:defRPr>
+                </a:lvl7pPr>
+                <a:lvl8pPr marL="3429000" indent="-228600" eaLnBrk="0" fontAlgn="base" hangingPunct="0">
+                  <a:spcBef>
+                    <a:spcPct val="0"/>
+                  </a:spcBef>
+                  <a:spcAft>
+                    <a:spcPct val="0"/>
+                  </a:spcAft>
+                  <a:defRPr sz="2400">
+                    <a:solidFill>
+                      <a:schemeClr val="tx1"/>
+                    </a:solidFill>
+                    <a:latin typeface="Gill Sans MT" pitchFamily="34" charset="0"/>
+                  </a:defRPr>
+                </a:lvl8pPr>
+                <a:lvl9pPr marL="3886200" indent="-228600" eaLnBrk="0" fontAlgn="base" hangingPunct="0">
+                  <a:spcBef>
+                    <a:spcPct val="0"/>
+                  </a:spcBef>
+                  <a:spcAft>
+                    <a:spcPct val="0"/>
+                  </a:spcAft>
+                  <a:defRPr sz="2400">
+                    <a:solidFill>
+                      <a:schemeClr val="tx1"/>
+                    </a:solidFill>
+                    <a:latin typeface="Gill Sans MT" pitchFamily="34" charset="0"/>
+                  </a:defRPr>
+                </a:lvl9pPr>
+              </a:lstStyle>
+              <a:p>
+                <a:pPr eaLnBrk="1" hangingPunct="1"/>
+                <a:endParaRPr lang="en-US" altLang="en-US">
+                  <a:latin typeface="+mn-lt"/>
+                </a:endParaRPr>
+              </a:p>
+            </p:txBody>
+          </p:sp>
+          <p:sp>
+            <p:nvSpPr>
+              <p:cNvPr id="47" name="AutoShape 10"/>
+              <p:cNvSpPr>
+                <a:spLocks noChangeArrowheads="1"/>
+              </p:cNvSpPr>
+              <p:nvPr/>
+            </p:nvSpPr>
+            <p:spPr bwMode="auto">
+              <a:xfrm>
+                <a:off x="3078241" y="3127248"/>
+                <a:ext cx="228600" cy="390144"/>
+              </a:xfrm>
+              <a:prstGeom prst="foldedCorner">
+                <a:avLst>
+                  <a:gd name="adj" fmla="val 12500"/>
+                </a:avLst>
+              </a:prstGeom>
+              <a:solidFill>
+                <a:schemeClr val="accent1"/>
+              </a:solidFill>
+              <a:ln w="9525">
+                <a:solidFill>
+                  <a:schemeClr val="tx1"/>
+                </a:solidFill>
+                <a:round/>
+                <a:headEnd/>
+                <a:tailEnd/>
+              </a:ln>
+            </p:spPr>
+            <p:txBody>
+              <a:bodyPr wrap="none" anchor="ctr"/>
+              <a:lstStyle>
+                <a:lvl1pPr eaLnBrk="0" hangingPunct="0">
+                  <a:defRPr sz="2400">
+                    <a:solidFill>
+                      <a:schemeClr val="tx1"/>
+                    </a:solidFill>
+                    <a:latin typeface="Gill Sans MT" pitchFamily="34" charset="0"/>
+                  </a:defRPr>
+                </a:lvl1pPr>
+                <a:lvl2pPr marL="742950" indent="-285750" eaLnBrk="0" hangingPunct="0">
+                  <a:defRPr sz="2400">
+                    <a:solidFill>
+                      <a:schemeClr val="tx1"/>
+                    </a:solidFill>
+                    <a:latin typeface="Gill Sans MT" pitchFamily="34" charset="0"/>
+                  </a:defRPr>
+                </a:lvl2pPr>
+                <a:lvl3pPr marL="1143000" indent="-228600" eaLnBrk="0" hangingPunct="0">
+                  <a:defRPr sz="2400">
+                    <a:solidFill>
+                      <a:schemeClr val="tx1"/>
+                    </a:solidFill>
+                    <a:latin typeface="Gill Sans MT" pitchFamily="34" charset="0"/>
+                  </a:defRPr>
+                </a:lvl3pPr>
+                <a:lvl4pPr marL="1600200" indent="-228600" eaLnBrk="0" hangingPunct="0">
+                  <a:defRPr sz="2400">
+                    <a:solidFill>
+                      <a:schemeClr val="tx1"/>
+                    </a:solidFill>
+                    <a:latin typeface="Gill Sans MT" pitchFamily="34" charset="0"/>
+                  </a:defRPr>
+                </a:lvl4pPr>
+                <a:lvl5pPr marL="2057400" indent="-228600" eaLnBrk="0" hangingPunct="0">
+                  <a:defRPr sz="2400">
+                    <a:solidFill>
+                      <a:schemeClr val="tx1"/>
+                    </a:solidFill>
+                    <a:latin typeface="Gill Sans MT" pitchFamily="34" charset="0"/>
+                  </a:defRPr>
+                </a:lvl5pPr>
+                <a:lvl6pPr marL="2514600" indent="-228600" eaLnBrk="0" fontAlgn="base" hangingPunct="0">
+                  <a:spcBef>
+                    <a:spcPct val="0"/>
+                  </a:spcBef>
+                  <a:spcAft>
+                    <a:spcPct val="0"/>
+                  </a:spcAft>
+                  <a:defRPr sz="2400">
+                    <a:solidFill>
+                      <a:schemeClr val="tx1"/>
+                    </a:solidFill>
+                    <a:latin typeface="Gill Sans MT" pitchFamily="34" charset="0"/>
+                  </a:defRPr>
+                </a:lvl6pPr>
+                <a:lvl7pPr marL="2971800" indent="-228600" eaLnBrk="0" fontAlgn="base" hangingPunct="0">
+                  <a:spcBef>
+                    <a:spcPct val="0"/>
+                  </a:spcBef>
+                  <a:spcAft>
+                    <a:spcPct val="0"/>
+                  </a:spcAft>
+                  <a:defRPr sz="2400">
+                    <a:solidFill>
+                      <a:schemeClr val="tx1"/>
+                    </a:solidFill>
+                    <a:latin typeface="Gill Sans MT" pitchFamily="34" charset="0"/>
+                  </a:defRPr>
+                </a:lvl7pPr>
+                <a:lvl8pPr marL="3429000" indent="-228600" eaLnBrk="0" fontAlgn="base" hangingPunct="0">
+                  <a:spcBef>
+                    <a:spcPct val="0"/>
+                  </a:spcBef>
+                  <a:spcAft>
+                    <a:spcPct val="0"/>
+                  </a:spcAft>
+                  <a:defRPr sz="2400">
+                    <a:solidFill>
+                      <a:schemeClr val="tx1"/>
+                    </a:solidFill>
+                    <a:latin typeface="Gill Sans MT" pitchFamily="34" charset="0"/>
+                  </a:defRPr>
+                </a:lvl8pPr>
+                <a:lvl9pPr marL="3886200" indent="-228600" eaLnBrk="0" fontAlgn="base" hangingPunct="0">
+                  <a:spcBef>
+                    <a:spcPct val="0"/>
+                  </a:spcBef>
+                  <a:spcAft>
+                    <a:spcPct val="0"/>
+                  </a:spcAft>
+                  <a:defRPr sz="2400">
+                    <a:solidFill>
+                      <a:schemeClr val="tx1"/>
+                    </a:solidFill>
+                    <a:latin typeface="Gill Sans MT" pitchFamily="34" charset="0"/>
+                  </a:defRPr>
+                </a:lvl9pPr>
+              </a:lstStyle>
+              <a:p>
+                <a:pPr eaLnBrk="1" hangingPunct="1"/>
+                <a:endParaRPr lang="en-US" altLang="en-US">
+                  <a:latin typeface="+mn-lt"/>
+                </a:endParaRPr>
+              </a:p>
+            </p:txBody>
+          </p:sp>
+          <p:sp>
+            <p:nvSpPr>
+              <p:cNvPr id="48" name="AutoShape 11"/>
+              <p:cNvSpPr>
+                <a:spLocks noChangeArrowheads="1"/>
+              </p:cNvSpPr>
+              <p:nvPr/>
+            </p:nvSpPr>
+            <p:spPr bwMode="auto">
+              <a:xfrm>
+                <a:off x="3169681" y="3224784"/>
+                <a:ext cx="228600" cy="390144"/>
+              </a:xfrm>
+              <a:prstGeom prst="foldedCorner">
+                <a:avLst>
+                  <a:gd name="adj" fmla="val 12500"/>
+                </a:avLst>
+              </a:prstGeom>
+              <a:solidFill>
+                <a:schemeClr val="accent1"/>
+              </a:solidFill>
+              <a:ln w="9525">
+                <a:solidFill>
+                  <a:schemeClr val="tx1"/>
+                </a:solidFill>
+                <a:round/>
+                <a:headEnd/>
+                <a:tailEnd/>
+              </a:ln>
+            </p:spPr>
+            <p:txBody>
+              <a:bodyPr wrap="none" anchor="ctr"/>
+              <a:lstStyle>
+                <a:lvl1pPr eaLnBrk="0" hangingPunct="0">
+                  <a:defRPr sz="2400">
+                    <a:solidFill>
+                      <a:schemeClr val="tx1"/>
+                    </a:solidFill>
+                    <a:latin typeface="Gill Sans MT" pitchFamily="34" charset="0"/>
+                  </a:defRPr>
+                </a:lvl1pPr>
+                <a:lvl2pPr marL="742950" indent="-285750" eaLnBrk="0" hangingPunct="0">
+                  <a:defRPr sz="2400">
+                    <a:solidFill>
+                      <a:schemeClr val="tx1"/>
+                    </a:solidFill>
+                    <a:latin typeface="Gill Sans MT" pitchFamily="34" charset="0"/>
+                  </a:defRPr>
+                </a:lvl2pPr>
+                <a:lvl3pPr marL="1143000" indent="-228600" eaLnBrk="0" hangingPunct="0">
+                  <a:defRPr sz="2400">
+                    <a:solidFill>
+                      <a:schemeClr val="tx1"/>
+                    </a:solidFill>
+                    <a:latin typeface="Gill Sans MT" pitchFamily="34" charset="0"/>
+                  </a:defRPr>
+                </a:lvl3pPr>
+                <a:lvl4pPr marL="1600200" indent="-228600" eaLnBrk="0" hangingPunct="0">
+                  <a:defRPr sz="2400">
+                    <a:solidFill>
+                      <a:schemeClr val="tx1"/>
+                    </a:solidFill>
+                    <a:latin typeface="Gill Sans MT" pitchFamily="34" charset="0"/>
+                  </a:defRPr>
+                </a:lvl4pPr>
+                <a:lvl5pPr marL="2057400" indent="-228600" eaLnBrk="0" hangingPunct="0">
+                  <a:defRPr sz="2400">
+                    <a:solidFill>
+                      <a:schemeClr val="tx1"/>
+                    </a:solidFill>
+                    <a:latin typeface="Gill Sans MT" pitchFamily="34" charset="0"/>
+                  </a:defRPr>
+                </a:lvl5pPr>
+                <a:lvl6pPr marL="2514600" indent="-228600" eaLnBrk="0" fontAlgn="base" hangingPunct="0">
+                  <a:spcBef>
+                    <a:spcPct val="0"/>
+                  </a:spcBef>
+                  <a:spcAft>
+                    <a:spcPct val="0"/>
+                  </a:spcAft>
+                  <a:defRPr sz="2400">
+                    <a:solidFill>
+                      <a:schemeClr val="tx1"/>
+                    </a:solidFill>
+                    <a:latin typeface="Gill Sans MT" pitchFamily="34" charset="0"/>
+                  </a:defRPr>
+                </a:lvl6pPr>
+                <a:lvl7pPr marL="2971800" indent="-228600" eaLnBrk="0" fontAlgn="base" hangingPunct="0">
+                  <a:spcBef>
+                    <a:spcPct val="0"/>
+                  </a:spcBef>
+                  <a:spcAft>
+                    <a:spcPct val="0"/>
+                  </a:spcAft>
+                  <a:defRPr sz="2400">
+                    <a:solidFill>
+                      <a:schemeClr val="tx1"/>
+                    </a:solidFill>
+                    <a:latin typeface="Gill Sans MT" pitchFamily="34" charset="0"/>
+                  </a:defRPr>
+                </a:lvl7pPr>
+                <a:lvl8pPr marL="3429000" indent="-228600" eaLnBrk="0" fontAlgn="base" hangingPunct="0">
+                  <a:spcBef>
+                    <a:spcPct val="0"/>
+                  </a:spcBef>
+                  <a:spcAft>
+                    <a:spcPct val="0"/>
+                  </a:spcAft>
+                  <a:defRPr sz="2400">
+                    <a:solidFill>
+                      <a:schemeClr val="tx1"/>
+                    </a:solidFill>
+                    <a:latin typeface="Gill Sans MT" pitchFamily="34" charset="0"/>
+                  </a:defRPr>
+                </a:lvl8pPr>
+                <a:lvl9pPr marL="3886200" indent="-228600" eaLnBrk="0" fontAlgn="base" hangingPunct="0">
+                  <a:spcBef>
+                    <a:spcPct val="0"/>
+                  </a:spcBef>
+                  <a:spcAft>
+                    <a:spcPct val="0"/>
+                  </a:spcAft>
+                  <a:defRPr sz="2400">
+                    <a:solidFill>
+                      <a:schemeClr val="tx1"/>
+                    </a:solidFill>
+                    <a:latin typeface="Gill Sans MT" pitchFamily="34" charset="0"/>
+                  </a:defRPr>
+                </a:lvl9pPr>
+              </a:lstStyle>
+              <a:p>
+                <a:pPr eaLnBrk="1" hangingPunct="1"/>
+                <a:endParaRPr lang="en-US" altLang="en-US">
+                  <a:latin typeface="+mn-lt"/>
+                </a:endParaRPr>
+              </a:p>
+            </p:txBody>
+          </p:sp>
+          <p:sp>
+            <p:nvSpPr>
+              <p:cNvPr id="49" name="AutoShape 12"/>
+              <p:cNvSpPr>
+                <a:spLocks noChangeArrowheads="1"/>
+              </p:cNvSpPr>
+              <p:nvPr/>
+            </p:nvSpPr>
+            <p:spPr bwMode="auto">
+              <a:xfrm>
+                <a:off x="3261121" y="3322320"/>
+                <a:ext cx="228600" cy="390144"/>
+              </a:xfrm>
+              <a:prstGeom prst="foldedCorner">
+                <a:avLst>
+                  <a:gd name="adj" fmla="val 12500"/>
+                </a:avLst>
+              </a:prstGeom>
+              <a:solidFill>
+                <a:schemeClr val="accent1"/>
+              </a:solidFill>
+              <a:ln w="9525">
+                <a:solidFill>
+                  <a:schemeClr val="tx1"/>
+                </a:solidFill>
+                <a:round/>
+                <a:headEnd/>
+                <a:tailEnd/>
+              </a:ln>
+            </p:spPr>
+            <p:txBody>
+              <a:bodyPr wrap="none" anchor="ctr"/>
+              <a:lstStyle>
+                <a:lvl1pPr eaLnBrk="0" hangingPunct="0">
+                  <a:defRPr sz="2400">
+                    <a:solidFill>
+                      <a:schemeClr val="tx1"/>
+                    </a:solidFill>
+                    <a:latin typeface="Gill Sans MT" pitchFamily="34" charset="0"/>
+                  </a:defRPr>
+                </a:lvl1pPr>
+                <a:lvl2pPr marL="742950" indent="-285750" eaLnBrk="0" hangingPunct="0">
+                  <a:defRPr sz="2400">
+                    <a:solidFill>
+                      <a:schemeClr val="tx1"/>
+                    </a:solidFill>
+                    <a:latin typeface="Gill Sans MT" pitchFamily="34" charset="0"/>
+                  </a:defRPr>
+                </a:lvl2pPr>
+                <a:lvl3pPr marL="1143000" indent="-228600" eaLnBrk="0" hangingPunct="0">
+                  <a:defRPr sz="2400">
+                    <a:solidFill>
+                      <a:schemeClr val="tx1"/>
+                    </a:solidFill>
+                    <a:latin typeface="Gill Sans MT" pitchFamily="34" charset="0"/>
+                  </a:defRPr>
+                </a:lvl3pPr>
+                <a:lvl4pPr marL="1600200" indent="-228600" eaLnBrk="0" hangingPunct="0">
+                  <a:defRPr sz="2400">
+                    <a:solidFill>
+                      <a:schemeClr val="tx1"/>
+                    </a:solidFill>
+                    <a:latin typeface="Gill Sans MT" pitchFamily="34" charset="0"/>
+                  </a:defRPr>
+                </a:lvl4pPr>
+                <a:lvl5pPr marL="2057400" indent="-228600" eaLnBrk="0" hangingPunct="0">
+                  <a:defRPr sz="2400">
+                    <a:solidFill>
+                      <a:schemeClr val="tx1"/>
+                    </a:solidFill>
+                    <a:latin typeface="Gill Sans MT" pitchFamily="34" charset="0"/>
+                  </a:defRPr>
+                </a:lvl5pPr>
+                <a:lvl6pPr marL="2514600" indent="-228600" eaLnBrk="0" fontAlgn="base" hangingPunct="0">
+                  <a:spcBef>
+                    <a:spcPct val="0"/>
+                  </a:spcBef>
+                  <a:spcAft>
+                    <a:spcPct val="0"/>
+                  </a:spcAft>
+                  <a:defRPr sz="2400">
+                    <a:solidFill>
+                      <a:schemeClr val="tx1"/>
+                    </a:solidFill>
+                    <a:latin typeface="Gill Sans MT" pitchFamily="34" charset="0"/>
+                  </a:defRPr>
+                </a:lvl6pPr>
+                <a:lvl7pPr marL="2971800" indent="-228600" eaLnBrk="0" fontAlgn="base" hangingPunct="0">
+                  <a:spcBef>
+                    <a:spcPct val="0"/>
+                  </a:spcBef>
+                  <a:spcAft>
+                    <a:spcPct val="0"/>
+                  </a:spcAft>
+                  <a:defRPr sz="2400">
+                    <a:solidFill>
+                      <a:schemeClr val="tx1"/>
+                    </a:solidFill>
+                    <a:latin typeface="Gill Sans MT" pitchFamily="34" charset="0"/>
+                  </a:defRPr>
+                </a:lvl7pPr>
+                <a:lvl8pPr marL="3429000" indent="-228600" eaLnBrk="0" fontAlgn="base" hangingPunct="0">
+                  <a:spcBef>
+                    <a:spcPct val="0"/>
+                  </a:spcBef>
+                  <a:spcAft>
+                    <a:spcPct val="0"/>
+                  </a:spcAft>
+                  <a:defRPr sz="2400">
+                    <a:solidFill>
+                      <a:schemeClr val="tx1"/>
+                    </a:solidFill>
+                    <a:latin typeface="Gill Sans MT" pitchFamily="34" charset="0"/>
+                  </a:defRPr>
+                </a:lvl8pPr>
+                <a:lvl9pPr marL="3886200" indent="-228600" eaLnBrk="0" fontAlgn="base" hangingPunct="0">
+                  <a:spcBef>
+                    <a:spcPct val="0"/>
+                  </a:spcBef>
+                  <a:spcAft>
+                    <a:spcPct val="0"/>
+                  </a:spcAft>
+                  <a:defRPr sz="2400">
+                    <a:solidFill>
+                      <a:schemeClr val="tx1"/>
+                    </a:solidFill>
+                    <a:latin typeface="Gill Sans MT" pitchFamily="34" charset="0"/>
+                  </a:defRPr>
+                </a:lvl9pPr>
+              </a:lstStyle>
+              <a:p>
+                <a:pPr eaLnBrk="1" hangingPunct="1"/>
+                <a:endParaRPr lang="en-US" altLang="en-US">
+                  <a:latin typeface="+mn-lt"/>
+                </a:endParaRPr>
+              </a:p>
+            </p:txBody>
+          </p:sp>
+        </p:grpSp>
+      </p:grpSp>
+      <p:sp>
+        <p:nvSpPr>
+          <p:cNvPr id="12" name="Rectangle 11"/>
+          <p:cNvSpPr/>
+          <p:nvPr/>
+        </p:nvSpPr>
+        <p:spPr>
+          <a:xfrm>
+            <a:off x="2247033" y="2038543"/>
+            <a:ext cx="4757264" cy="369332"/>
+          </a:xfrm>
+          <a:prstGeom prst="rect">
+            <a:avLst/>
+          </a:prstGeom>
+        </p:spPr>
+        <p:txBody>
+          <a:bodyPr wrap="none">
+            <a:spAutoFit/>
+          </a:bodyPr>
+          <a:lstStyle/>
+          <a:p>
+            <a:r>
+              <a:rPr lang="en-US" dirty="0" smtClean="0"/>
+              <a:t>D1: ‘</a:t>
+            </a:r>
+            <a:r>
+              <a:rPr lang="en-US" i="1" dirty="0" smtClean="0"/>
+              <a:t>Text </a:t>
+            </a:r>
+            <a:r>
+              <a:rPr lang="en-US" i="1" dirty="0"/>
+              <a:t>mining is to identify useful </a:t>
+            </a:r>
+            <a:r>
+              <a:rPr lang="en-US" i="1" dirty="0" smtClean="0"/>
+              <a:t>information.’</a:t>
+            </a:r>
+            <a:endParaRPr lang="en-US" i="1" dirty="0"/>
+          </a:p>
+        </p:txBody>
+      </p:sp>
+      <p:sp>
+        <p:nvSpPr>
+          <p:cNvPr id="50" name="Rectangle 49"/>
+          <p:cNvSpPr/>
+          <p:nvPr/>
+        </p:nvSpPr>
+        <p:spPr>
+          <a:xfrm>
+            <a:off x="1372937" y="2673925"/>
+            <a:ext cx="5840060" cy="369332"/>
+          </a:xfrm>
+          <a:prstGeom prst="rect">
+            <a:avLst/>
+          </a:prstGeom>
+        </p:spPr>
+        <p:txBody>
+          <a:bodyPr wrap="none">
+            <a:spAutoFit/>
+          </a:bodyPr>
+          <a:lstStyle/>
+          <a:p>
+            <a:r>
+              <a:rPr lang="en-US" dirty="0" smtClean="0"/>
+              <a:t>D1: </a:t>
+            </a:r>
+            <a:r>
+              <a:rPr lang="en-US" i="1" dirty="0" smtClean="0"/>
+              <a:t>‘Text’, ‘mining’, ‘is’, ‘to’, ‘identify’, ‘useful’, ‘information’, ‘.’</a:t>
+            </a:r>
+            <a:endParaRPr lang="en-US" i="1" dirty="0"/>
+          </a:p>
+        </p:txBody>
+      </p:sp>
+      <p:sp>
+        <p:nvSpPr>
+          <p:cNvPr id="51" name="Rectangle 50"/>
+          <p:cNvSpPr/>
+          <p:nvPr/>
+        </p:nvSpPr>
+        <p:spPr>
+          <a:xfrm>
+            <a:off x="1372937" y="3266228"/>
+            <a:ext cx="4904612" cy="369332"/>
+          </a:xfrm>
+          <a:prstGeom prst="rect">
+            <a:avLst/>
+          </a:prstGeom>
+        </p:spPr>
+        <p:txBody>
+          <a:bodyPr wrap="none">
+            <a:spAutoFit/>
+          </a:bodyPr>
+          <a:lstStyle/>
+          <a:p>
+            <a:r>
+              <a:rPr lang="en-US" dirty="0" smtClean="0"/>
+              <a:t>D1</a:t>
+            </a:r>
+            <a:r>
+              <a:rPr lang="en-US" dirty="0"/>
+              <a:t>: </a:t>
+            </a:r>
+            <a:r>
+              <a:rPr lang="en-US" i="1" dirty="0" smtClean="0"/>
+              <a:t>‘text’, ‘mine’, ‘is’, ‘to’, ‘identify’, ‘use’, ‘inform’, ‘.’</a:t>
+            </a:r>
+            <a:endParaRPr lang="en-US" i="1" dirty="0"/>
+          </a:p>
+        </p:txBody>
+      </p:sp>
+      <p:sp>
+        <p:nvSpPr>
+          <p:cNvPr id="52" name="Rectangle 51"/>
+          <p:cNvSpPr/>
+          <p:nvPr/>
+        </p:nvSpPr>
+        <p:spPr>
+          <a:xfrm>
+            <a:off x="1372937" y="3896842"/>
+            <a:ext cx="7694863" cy="369332"/>
+          </a:xfrm>
+          <a:prstGeom prst="rect">
+            <a:avLst/>
+          </a:prstGeom>
+        </p:spPr>
+        <p:txBody>
+          <a:bodyPr wrap="none">
+            <a:spAutoFit/>
+          </a:bodyPr>
+          <a:lstStyle/>
+          <a:p>
+            <a:r>
+              <a:rPr lang="en-US" dirty="0" smtClean="0"/>
+              <a:t>D1</a:t>
+            </a:r>
+            <a:r>
+              <a:rPr lang="en-US" dirty="0"/>
+              <a:t>: </a:t>
+            </a:r>
+            <a:r>
+              <a:rPr lang="en-US" i="1" dirty="0" smtClean="0"/>
+              <a:t>‘text-mine’, ‘mine-is’, ‘is-to’, ‘to-identify’, ‘identify-use’, ‘use-inform’, ‘inform-.’</a:t>
+            </a:r>
+            <a:endParaRPr lang="en-US" i="1" dirty="0"/>
+          </a:p>
+        </p:txBody>
+      </p:sp>
+      <p:sp>
+        <p:nvSpPr>
+          <p:cNvPr id="53" name="Rectangle 52"/>
+          <p:cNvSpPr/>
+          <p:nvPr/>
+        </p:nvSpPr>
+        <p:spPr>
+          <a:xfrm>
+            <a:off x="1372937" y="4531988"/>
+            <a:ext cx="5241756" cy="369332"/>
+          </a:xfrm>
+          <a:prstGeom prst="rect">
+            <a:avLst/>
+          </a:prstGeom>
+        </p:spPr>
+        <p:txBody>
+          <a:bodyPr wrap="none">
+            <a:spAutoFit/>
+          </a:bodyPr>
+          <a:lstStyle/>
+          <a:p>
+            <a:r>
+              <a:rPr lang="en-US" dirty="0" smtClean="0"/>
+              <a:t>D1</a:t>
+            </a:r>
+            <a:r>
+              <a:rPr lang="en-US" dirty="0"/>
+              <a:t>: </a:t>
+            </a:r>
+            <a:r>
+              <a:rPr lang="en-US" i="1" dirty="0" smtClean="0"/>
+              <a:t>‘text-mine’, ‘to-identify’, ‘identify-use’, ‘use-inform’</a:t>
+            </a:r>
+            <a:endParaRPr lang="en-US" i="1" dirty="0"/>
+          </a:p>
+        </p:txBody>
+      </p:sp>
+      <p:sp>
+        <p:nvSpPr>
+          <p:cNvPr id="13" name="Rectangle 12"/>
+          <p:cNvSpPr/>
+          <p:nvPr/>
+        </p:nvSpPr>
+        <p:spPr>
+          <a:xfrm>
+            <a:off x="1143000" y="2380166"/>
+            <a:ext cx="1998111" cy="400110"/>
+          </a:xfrm>
+          <a:prstGeom prst="rect">
+            <a:avLst/>
+          </a:prstGeom>
+        </p:spPr>
+        <p:txBody>
+          <a:bodyPr wrap="none">
+            <a:spAutoFit/>
+          </a:bodyPr>
+          <a:lstStyle/>
+          <a:p>
+            <a:pPr marL="342900" indent="-342900">
+              <a:buAutoNum type="arabicPeriod"/>
+            </a:pPr>
+            <a:r>
+              <a:rPr lang="en-US" sz="2000" b="1" dirty="0">
+                <a:solidFill>
+                  <a:srgbClr val="FF0000"/>
+                </a:solidFill>
+              </a:rPr>
+              <a:t>Tokenization: </a:t>
+            </a:r>
+          </a:p>
+        </p:txBody>
+      </p:sp>
+      <p:sp>
+        <p:nvSpPr>
+          <p:cNvPr id="15" name="Rectangle 14"/>
+          <p:cNvSpPr/>
+          <p:nvPr/>
+        </p:nvSpPr>
+        <p:spPr>
+          <a:xfrm>
+            <a:off x="1143000" y="2946973"/>
+            <a:ext cx="3272371" cy="400110"/>
+          </a:xfrm>
+          <a:prstGeom prst="rect">
+            <a:avLst/>
+          </a:prstGeom>
+        </p:spPr>
+        <p:txBody>
+          <a:bodyPr wrap="none">
+            <a:spAutoFit/>
+          </a:bodyPr>
+          <a:lstStyle/>
+          <a:p>
+            <a:pPr marL="342900" indent="-342900">
+              <a:buFont typeface="+mj-lt"/>
+              <a:buAutoNum type="arabicPeriod" startAt="2"/>
+            </a:pPr>
+            <a:r>
+              <a:rPr lang="en-US" sz="2000" b="1" dirty="0">
+                <a:solidFill>
+                  <a:srgbClr val="FF0000"/>
+                </a:solidFill>
+              </a:rPr>
+              <a:t>Stemming/normalization:</a:t>
+            </a:r>
+          </a:p>
+        </p:txBody>
+      </p:sp>
+      <p:sp>
+        <p:nvSpPr>
+          <p:cNvPr id="17" name="Rectangle 16"/>
+          <p:cNvSpPr/>
+          <p:nvPr/>
+        </p:nvSpPr>
+        <p:spPr>
+          <a:xfrm>
+            <a:off x="1143000" y="3552375"/>
+            <a:ext cx="2781339" cy="400110"/>
+          </a:xfrm>
+          <a:prstGeom prst="rect">
+            <a:avLst/>
+          </a:prstGeom>
+        </p:spPr>
+        <p:txBody>
+          <a:bodyPr wrap="none">
+            <a:spAutoFit/>
+          </a:bodyPr>
+          <a:lstStyle/>
+          <a:p>
+            <a:pPr marL="342900" indent="-342900">
+              <a:buFont typeface="+mj-lt"/>
+              <a:buAutoNum type="arabicPeriod" startAt="3"/>
+            </a:pPr>
+            <a:r>
+              <a:rPr lang="en-US" sz="2000" b="1" dirty="0">
+                <a:solidFill>
+                  <a:srgbClr val="FF0000"/>
+                </a:solidFill>
+              </a:rPr>
+              <a:t>N-gram construction:</a:t>
+            </a:r>
+          </a:p>
+        </p:txBody>
+      </p:sp>
+      <p:sp>
+        <p:nvSpPr>
+          <p:cNvPr id="18" name="Rectangle 17"/>
+          <p:cNvSpPr/>
+          <p:nvPr/>
+        </p:nvSpPr>
+        <p:spPr>
+          <a:xfrm>
+            <a:off x="1143000" y="2038543"/>
+            <a:ext cx="7772400" cy="2862777"/>
+          </a:xfrm>
+          <a:prstGeom prst="rect">
+            <a:avLst/>
+          </a:prstGeom>
+          <a:noFill/>
+          <a:ln w="28575">
+            <a:solidFill>
+              <a:srgbClr val="7030A0"/>
+            </a:solidFill>
+            <a:prstDash val="dash"/>
+          </a:ln>
+        </p:spPr>
+        <p:style>
+          <a:lnRef idx="2">
+            <a:schemeClr val="accent1">
+              <a:shade val="50000"/>
+            </a:schemeClr>
+          </a:lnRef>
+          <a:fillRef idx="1">
+            <a:schemeClr val="accent1"/>
+          </a:fillRef>
+          <a:effectRef idx="0">
+            <a:schemeClr val="accent1"/>
+          </a:effectRef>
+          <a:fontRef idx="minor">
+            <a:schemeClr val="lt1"/>
+          </a:fontRef>
+        </p:style>
+        <p:txBody>
+          <a:bodyPr rtlCol="0" anchor="ctr"/>
+          <a:lstStyle/>
+          <a:p>
+            <a:pPr algn="ctr"/>
+            <a:endParaRPr lang="en-US"/>
+          </a:p>
+        </p:txBody>
+      </p:sp>
+      <p:sp>
+        <p:nvSpPr>
+          <p:cNvPr id="58" name="TextBox 57"/>
+          <p:cNvSpPr txBox="1"/>
+          <p:nvPr/>
+        </p:nvSpPr>
+        <p:spPr>
+          <a:xfrm>
+            <a:off x="5887370" y="1267030"/>
+            <a:ext cx="2651253" cy="646331"/>
+          </a:xfrm>
+          <a:prstGeom prst="rect">
+            <a:avLst/>
+          </a:prstGeom>
+          <a:noFill/>
+        </p:spPr>
+        <p:txBody>
+          <a:bodyPr wrap="square" rtlCol="0">
+            <a:spAutoFit/>
+          </a:bodyPr>
+          <a:lstStyle/>
+          <a:p>
+            <a:r>
+              <a:rPr lang="en-US" b="1" i="1" dirty="0" smtClean="0">
+                <a:solidFill>
+                  <a:srgbClr val="7030A0"/>
+                </a:solidFill>
+              </a:rPr>
+              <a:t>Naturally fit into </a:t>
+            </a:r>
+            <a:r>
+              <a:rPr lang="en-US" b="1" i="1" dirty="0" err="1" smtClean="0">
+                <a:solidFill>
+                  <a:srgbClr val="7030A0"/>
+                </a:solidFill>
+              </a:rPr>
+              <a:t>MapReduce</a:t>
+            </a:r>
+            <a:r>
+              <a:rPr lang="en-US" b="1" i="1" dirty="0" smtClean="0">
+                <a:solidFill>
+                  <a:srgbClr val="7030A0"/>
+                </a:solidFill>
+              </a:rPr>
+              <a:t> paradigm!</a:t>
+            </a:r>
+            <a:endParaRPr lang="en-US" b="1" i="1" dirty="0">
+              <a:solidFill>
+                <a:srgbClr val="7030A0"/>
+              </a:solidFill>
+            </a:endParaRPr>
+          </a:p>
+        </p:txBody>
+      </p:sp>
+      <p:grpSp>
+        <p:nvGrpSpPr>
+          <p:cNvPr id="21" name="Group 20"/>
+          <p:cNvGrpSpPr/>
+          <p:nvPr/>
+        </p:nvGrpSpPr>
+        <p:grpSpPr>
+          <a:xfrm>
+            <a:off x="1015395" y="1376959"/>
+            <a:ext cx="1956044" cy="640080"/>
+            <a:chOff x="990600" y="1391357"/>
+            <a:chExt cx="1956044" cy="640080"/>
+          </a:xfrm>
+        </p:grpSpPr>
+        <p:sp>
+          <p:nvSpPr>
+            <p:cNvPr id="19" name="Curved Right Arrow 18"/>
+            <p:cNvSpPr/>
+            <p:nvPr/>
+          </p:nvSpPr>
+          <p:spPr>
+            <a:xfrm>
+              <a:off x="2489444" y="1391357"/>
+              <a:ext cx="457200" cy="640080"/>
+            </a:xfrm>
+            <a:prstGeom prst="curvedRightArrow">
+              <a:avLst/>
+            </a:prstGeom>
+            <a:solidFill>
+              <a:srgbClr val="00B050"/>
+            </a:solidFill>
+            <a:ln>
+              <a:solidFill>
+                <a:schemeClr val="accent3">
+                  <a:lumMod val="50000"/>
+                </a:schemeClr>
+              </a:solidFill>
+            </a:ln>
+          </p:spPr>
+          <p:style>
+            <a:lnRef idx="2">
+              <a:schemeClr val="accent1">
+                <a:shade val="50000"/>
+              </a:schemeClr>
+            </a:lnRef>
+            <a:fillRef idx="1">
+              <a:schemeClr val="accent1"/>
+            </a:fillRef>
+            <a:effectRef idx="0">
+              <a:schemeClr val="accent1"/>
+            </a:effectRef>
+            <a:fontRef idx="minor">
+              <a:schemeClr val="lt1"/>
+            </a:fontRef>
+          </p:style>
+          <p:txBody>
+            <a:bodyPr rtlCol="0" anchor="ctr"/>
+            <a:lstStyle/>
+            <a:p>
+              <a:pPr algn="ctr"/>
+              <a:endParaRPr lang="en-US">
+                <a:solidFill>
+                  <a:schemeClr val="tx1"/>
+                </a:solidFill>
+              </a:endParaRPr>
+            </a:p>
+          </p:txBody>
+        </p:sp>
+        <p:sp>
+          <p:nvSpPr>
+            <p:cNvPr id="20" name="TextBox 19"/>
+            <p:cNvSpPr txBox="1"/>
+            <p:nvPr/>
+          </p:nvSpPr>
+          <p:spPr>
+            <a:xfrm>
+              <a:off x="990600" y="1487424"/>
+              <a:ext cx="1256433" cy="369332"/>
+            </a:xfrm>
+            <a:prstGeom prst="rect">
+              <a:avLst/>
+            </a:prstGeom>
+            <a:noFill/>
+          </p:spPr>
+          <p:txBody>
+            <a:bodyPr wrap="square" rtlCol="0">
+              <a:spAutoFit/>
+            </a:bodyPr>
+            <a:lstStyle/>
+            <a:p>
+              <a:pPr algn="r"/>
+              <a:r>
+                <a:rPr lang="en-US" b="1" i="1" dirty="0" smtClean="0">
+                  <a:solidFill>
+                    <a:srgbClr val="7030A0"/>
+                  </a:solidFill>
+                </a:rPr>
+                <a:t>Mapper</a:t>
+              </a:r>
+              <a:endParaRPr lang="en-US" b="1" i="1" dirty="0">
+                <a:solidFill>
+                  <a:srgbClr val="7030A0"/>
+                </a:solidFill>
+              </a:endParaRPr>
+            </a:p>
+          </p:txBody>
+        </p:sp>
+      </p:grpSp>
+      <p:grpSp>
+        <p:nvGrpSpPr>
+          <p:cNvPr id="22" name="Group 21"/>
+          <p:cNvGrpSpPr/>
+          <p:nvPr/>
+        </p:nvGrpSpPr>
+        <p:grpSpPr>
+          <a:xfrm>
+            <a:off x="1047542" y="4994275"/>
+            <a:ext cx="1891602" cy="640080"/>
+            <a:chOff x="1047542" y="4994275"/>
+            <a:chExt cx="1891602" cy="640080"/>
+          </a:xfrm>
+        </p:grpSpPr>
+        <p:sp>
+          <p:nvSpPr>
+            <p:cNvPr id="57" name="Curved Right Arrow 56"/>
+            <p:cNvSpPr/>
+            <p:nvPr/>
+          </p:nvSpPr>
+          <p:spPr>
+            <a:xfrm>
+              <a:off x="2481944" y="4994275"/>
+              <a:ext cx="457200" cy="640080"/>
+            </a:xfrm>
+            <a:prstGeom prst="curvedRightArrow">
+              <a:avLst/>
+            </a:prstGeom>
+            <a:solidFill>
+              <a:srgbClr val="00B050"/>
+            </a:solidFill>
+            <a:ln>
+              <a:solidFill>
+                <a:schemeClr val="accent3">
+                  <a:lumMod val="50000"/>
+                </a:schemeClr>
+              </a:solidFill>
+            </a:ln>
+          </p:spPr>
+          <p:style>
+            <a:lnRef idx="2">
+              <a:schemeClr val="accent1">
+                <a:shade val="50000"/>
+              </a:schemeClr>
+            </a:lnRef>
+            <a:fillRef idx="1">
+              <a:schemeClr val="accent1"/>
+            </a:fillRef>
+            <a:effectRef idx="0">
+              <a:schemeClr val="accent1"/>
+            </a:effectRef>
+            <a:fontRef idx="minor">
+              <a:schemeClr val="lt1"/>
+            </a:fontRef>
+          </p:style>
+          <p:txBody>
+            <a:bodyPr rtlCol="0" anchor="ctr"/>
+            <a:lstStyle/>
+            <a:p>
+              <a:pPr algn="ctr"/>
+              <a:endParaRPr lang="en-US">
+                <a:solidFill>
+                  <a:schemeClr val="tx1"/>
+                </a:solidFill>
+              </a:endParaRPr>
+            </a:p>
+          </p:txBody>
+        </p:sp>
+        <p:sp>
+          <p:nvSpPr>
+            <p:cNvPr id="60" name="TextBox 59"/>
+            <p:cNvSpPr txBox="1"/>
+            <p:nvPr/>
+          </p:nvSpPr>
+          <p:spPr>
+            <a:xfrm>
+              <a:off x="1047542" y="5124527"/>
+              <a:ext cx="1256433" cy="369332"/>
+            </a:xfrm>
+            <a:prstGeom prst="rect">
+              <a:avLst/>
+            </a:prstGeom>
+            <a:noFill/>
+          </p:spPr>
+          <p:txBody>
+            <a:bodyPr wrap="square" rtlCol="0">
+              <a:spAutoFit/>
+            </a:bodyPr>
+            <a:lstStyle/>
+            <a:p>
+              <a:pPr algn="r"/>
+              <a:r>
+                <a:rPr lang="en-US" b="1" i="1" dirty="0" smtClean="0">
+                  <a:solidFill>
+                    <a:srgbClr val="7030A0"/>
+                  </a:solidFill>
+                </a:rPr>
+                <a:t>Reducer</a:t>
+              </a:r>
+              <a:endParaRPr lang="en-US" b="1" i="1" dirty="0">
+                <a:solidFill>
+                  <a:srgbClr val="7030A0"/>
+                </a:solidFill>
+              </a:endParaRPr>
+            </a:p>
+          </p:txBody>
+        </p:sp>
+      </p:grpSp>
+    </p:spTree>
+    <p:extLst>
+      <p:ext uri="{BB962C8B-B14F-4D97-AF65-F5344CB8AC3E}">
+        <p14:creationId xmlns:p14="http://schemas.microsoft.com/office/powerpoint/2010/main" val="2777851173"/>
+      </p:ext>
+    </p:extLst>
+  </p:cSld>
+  <p:clrMapOvr>
+    <a:masterClrMapping/>
+  </p:clrMapOvr>
+  <p:timing>
+    <p:tnLst>
+      <p:par>
+        <p:cTn id="1" dur="indefinite" restart="never" nodeType="tmRoot"/>
+      </p:par>
+    </p:tnLst>
+  </p:timing>
+</p:sld>
+</file>
+
+<file path=ppt/slides/slide37.xml><?xml version="1.0" encoding="utf-8"?>
+<p:sld xmlns:a="http://schemas.openxmlformats.org/drawingml/2006/main" xmlns:r="http://schemas.openxmlformats.org/officeDocument/2006/relationships" xmlns:p="http://schemas.openxmlformats.org/presentationml/2006/main">
+  <p:cSld>
+    <p:spTree>
+      <p:nvGrpSpPr>
+        <p:cNvPr id="1" name=""/>
+        <p:cNvGrpSpPr/>
+        <p:nvPr/>
+      </p:nvGrpSpPr>
+      <p:grpSpPr>
+        <a:xfrm>
+          <a:off x="0" y="0"/>
+          <a:ext cx="0" cy="0"/>
+          <a:chOff x="0" y="0"/>
+          <a:chExt cx="0" cy="0"/>
+        </a:xfrm>
+      </p:grpSpPr>
+      <p:sp>
+        <p:nvSpPr>
+          <p:cNvPr id="326658" name="Rectangle 2"/>
+          <p:cNvSpPr>
+            <a:spLocks noGrp="1" noChangeArrowheads="1"/>
+          </p:cNvSpPr>
+          <p:nvPr>
+            <p:ph type="title"/>
+          </p:nvPr>
+        </p:nvSpPr>
+        <p:spPr/>
+        <p:txBody>
+          <a:bodyPr/>
+          <a:lstStyle/>
+          <a:p>
+            <a:r>
+              <a:rPr lang="en-US" altLang="en-US" dirty="0" smtClean="0"/>
+              <a:t>Recap: TF-IDF </a:t>
+            </a:r>
+            <a:r>
+              <a:rPr lang="en-US" altLang="en-US" dirty="0" smtClean="0"/>
+              <a:t>weighting </a:t>
+            </a:r>
+            <a:endParaRPr lang="en-US" altLang="en-US" dirty="0"/>
+          </a:p>
+        </p:txBody>
+      </p:sp>
+      <mc:AlternateContent xmlns:mc="http://schemas.openxmlformats.org/markup-compatibility/2006">
+        <mc:Choice xmlns:a14="http://schemas.microsoft.com/office/drawing/2010/main" Requires="a14">
+          <p:sp>
+            <p:nvSpPr>
+              <p:cNvPr id="326659" name="Rectangle 3"/>
+              <p:cNvSpPr>
+                <a:spLocks noGrp="1" noChangeArrowheads="1"/>
+              </p:cNvSpPr>
+              <p:nvPr>
+                <p:ph idx="1"/>
+              </p:nvPr>
+            </p:nvSpPr>
+            <p:spPr/>
+            <p:txBody>
+              <a:bodyPr/>
+              <a:lstStyle/>
+              <a:p>
+                <a:r>
+                  <a:rPr lang="en-US" altLang="ja-JP" dirty="0" smtClean="0">
+                    <a:ea typeface="ＭＳ Ｐゴシック" charset="-128"/>
+                  </a:rPr>
+                  <a:t>Combining TF and IDF </a:t>
+                </a:r>
+                <a:endParaRPr lang="en-US" altLang="ja-JP" b="0" dirty="0">
+                  <a:ea typeface="ＭＳ Ｐゴシック" charset="-128"/>
+                </a:endParaRPr>
+              </a:p>
+              <a:p>
+                <a:pPr lvl="1"/>
+                <a:r>
+                  <a:rPr lang="en-US" altLang="ja-JP" dirty="0">
+                    <a:ea typeface="ＭＳ Ｐゴシック" charset="-128"/>
+                  </a:rPr>
+                  <a:t>Common in doc </a:t>
+                </a:r>
+                <a:r>
+                  <a:rPr lang="en-US" altLang="ja-JP" dirty="0">
+                    <a:ea typeface="ＭＳ Ｐゴシック" charset="-128"/>
+                    <a:sym typeface="Wingdings" pitchFamily="2" charset="2"/>
+                  </a:rPr>
+                  <a:t></a:t>
+                </a:r>
+                <a:r>
+                  <a:rPr lang="en-US" altLang="ja-JP" dirty="0">
+                    <a:ea typeface="ＭＳ Ｐゴシック" charset="-128"/>
+                  </a:rPr>
+                  <a:t> high </a:t>
+                </a:r>
+                <a:r>
+                  <a:rPr lang="en-US" altLang="ja-JP" dirty="0" err="1">
+                    <a:ea typeface="ＭＳ Ｐゴシック" charset="-128"/>
+                  </a:rPr>
+                  <a:t>tf</a:t>
+                </a:r>
+                <a:r>
+                  <a:rPr lang="en-US" altLang="ja-JP" dirty="0">
+                    <a:ea typeface="ＭＳ Ｐゴシック" charset="-128"/>
+                  </a:rPr>
+                  <a:t> </a:t>
+                </a:r>
+                <a:r>
+                  <a:rPr lang="en-US" altLang="ja-JP" dirty="0">
+                    <a:ea typeface="ＭＳ Ｐゴシック" charset="-128"/>
+                    <a:sym typeface="Wingdings" pitchFamily="2" charset="2"/>
+                  </a:rPr>
+                  <a:t> high weight</a:t>
+                </a:r>
+              </a:p>
+              <a:p>
+                <a:pPr lvl="1"/>
+                <a:r>
+                  <a:rPr lang="en-US" altLang="ja-JP" dirty="0">
+                    <a:ea typeface="ＭＳ Ｐゴシック" charset="-128"/>
+                  </a:rPr>
+                  <a:t>Rare in collection</a:t>
+                </a:r>
+                <a:r>
+                  <a:rPr lang="en-US" altLang="ja-JP" dirty="0">
+                    <a:ea typeface="ＭＳ Ｐゴシック" charset="-128"/>
+                    <a:sym typeface="Wingdings" pitchFamily="2" charset="2"/>
+                  </a:rPr>
+                  <a:t></a:t>
+                </a:r>
+                <a:r>
+                  <a:rPr lang="en-US" altLang="ja-JP" dirty="0">
+                    <a:ea typeface="ＭＳ Ｐゴシック" charset="-128"/>
+                  </a:rPr>
+                  <a:t> high </a:t>
+                </a:r>
+                <a:r>
+                  <a:rPr lang="en-US" altLang="ja-JP" dirty="0" err="1">
+                    <a:ea typeface="ＭＳ Ｐゴシック" charset="-128"/>
+                  </a:rPr>
+                  <a:t>idf</a:t>
+                </a:r>
+                <a:r>
+                  <a:rPr lang="en-US" altLang="ja-JP" dirty="0">
+                    <a:ea typeface="ＭＳ Ｐゴシック" charset="-128"/>
+                    <a:sym typeface="Wingdings" pitchFamily="2" charset="2"/>
+                  </a:rPr>
+                  <a:t> high </a:t>
+                </a:r>
+                <a:r>
+                  <a:rPr lang="en-US" altLang="ja-JP" dirty="0" smtClean="0">
+                    <a:ea typeface="ＭＳ Ｐゴシック" charset="-128"/>
+                    <a:sym typeface="Wingdings" pitchFamily="2" charset="2"/>
+                  </a:rPr>
+                  <a:t>weight</a:t>
+                </a:r>
+              </a:p>
+              <a:p>
+                <a:pPr lvl="1"/>
+                <a14:m>
+                  <m:oMath xmlns:m="http://schemas.openxmlformats.org/officeDocument/2006/math">
+                    <m:r>
+                      <a:rPr lang="en-US" altLang="ja-JP" i="1" dirty="0" smtClean="0">
+                        <a:latin typeface="Cambria Math" panose="02040503050406030204" pitchFamily="18" charset="0"/>
+                        <a:ea typeface="ＭＳ Ｐゴシック" charset="-128"/>
+                      </a:rPr>
+                      <m:t>𝑤</m:t>
+                    </m:r>
+                    <m:d>
+                      <m:dPr>
+                        <m:ctrlPr>
+                          <a:rPr lang="en-US" altLang="ja-JP" i="1" dirty="0" smtClean="0">
+                            <a:latin typeface="Cambria Math" panose="02040503050406030204" pitchFamily="18" charset="0"/>
+                            <a:ea typeface="ＭＳ Ｐゴシック" charset="-128"/>
+                          </a:rPr>
+                        </m:ctrlPr>
+                      </m:dPr>
+                      <m:e>
+                        <m:r>
+                          <a:rPr lang="en-US" altLang="ja-JP" i="1" dirty="0" err="1" smtClean="0">
+                            <a:latin typeface="Cambria Math" panose="02040503050406030204" pitchFamily="18" charset="0"/>
+                            <a:ea typeface="ＭＳ Ｐゴシック" charset="-128"/>
+                          </a:rPr>
+                          <m:t>𝑡</m:t>
+                        </m:r>
+                        <m:r>
+                          <a:rPr lang="en-US" altLang="ja-JP" i="1" dirty="0" err="1" smtClean="0">
+                            <a:latin typeface="Cambria Math" panose="02040503050406030204" pitchFamily="18" charset="0"/>
+                            <a:ea typeface="ＭＳ Ｐゴシック" charset="-128"/>
+                          </a:rPr>
+                          <m:t>,</m:t>
+                        </m:r>
+                        <m:r>
+                          <a:rPr lang="en-US" altLang="ja-JP" i="1" dirty="0" err="1" smtClean="0">
+                            <a:latin typeface="Cambria Math" panose="02040503050406030204" pitchFamily="18" charset="0"/>
+                            <a:ea typeface="ＭＳ Ｐゴシック" charset="-128"/>
+                          </a:rPr>
+                          <m:t>𝑑</m:t>
+                        </m:r>
+                      </m:e>
+                    </m:d>
+                    <m:r>
+                      <a:rPr lang="en-US" altLang="ja-JP" i="1" dirty="0">
+                        <a:latin typeface="Cambria Math" panose="02040503050406030204" pitchFamily="18" charset="0"/>
+                        <a:ea typeface="ＭＳ Ｐゴシック" charset="-128"/>
+                      </a:rPr>
+                      <m:t>=</m:t>
+                    </m:r>
+                    <m:r>
+                      <a:rPr lang="en-US" altLang="ja-JP" i="1" dirty="0">
+                        <a:latin typeface="Cambria Math" panose="02040503050406030204" pitchFamily="18" charset="0"/>
+                        <a:ea typeface="ＭＳ Ｐゴシック" charset="-128"/>
+                      </a:rPr>
+                      <m:t>𝑇𝐹</m:t>
+                    </m:r>
+                    <m:d>
+                      <m:dPr>
+                        <m:ctrlPr>
+                          <a:rPr lang="en-US" altLang="ja-JP" i="1" dirty="0">
+                            <a:latin typeface="Cambria Math" panose="02040503050406030204" pitchFamily="18" charset="0"/>
+                            <a:ea typeface="ＭＳ Ｐゴシック" charset="-128"/>
+                          </a:rPr>
+                        </m:ctrlPr>
+                      </m:dPr>
+                      <m:e>
+                        <m:r>
+                          <a:rPr lang="en-US" altLang="ja-JP" i="1" dirty="0" err="1">
+                            <a:latin typeface="Cambria Math" panose="02040503050406030204" pitchFamily="18" charset="0"/>
+                            <a:ea typeface="ＭＳ Ｐゴシック" charset="-128"/>
+                          </a:rPr>
+                          <m:t>𝑡</m:t>
+                        </m:r>
+                        <m:r>
+                          <a:rPr lang="en-US" altLang="ja-JP" i="1" dirty="0" err="1">
+                            <a:latin typeface="Cambria Math" panose="02040503050406030204" pitchFamily="18" charset="0"/>
+                            <a:ea typeface="ＭＳ Ｐゴシック" charset="-128"/>
+                          </a:rPr>
+                          <m:t>,</m:t>
+                        </m:r>
+                        <m:r>
+                          <a:rPr lang="en-US" altLang="ja-JP" i="1" dirty="0" err="1">
+                            <a:latin typeface="Cambria Math" panose="02040503050406030204" pitchFamily="18" charset="0"/>
+                            <a:ea typeface="ＭＳ Ｐゴシック" charset="-128"/>
+                          </a:rPr>
+                          <m:t>𝑑</m:t>
+                        </m:r>
+                      </m:e>
+                    </m:d>
+                    <m:r>
+                      <a:rPr lang="en-US" altLang="ja-JP" b="0" i="1" dirty="0" smtClean="0">
+                        <a:latin typeface="Cambria Math" panose="02040503050406030204" pitchFamily="18" charset="0"/>
+                        <a:ea typeface="ＭＳ Ｐゴシック" charset="-128"/>
+                      </a:rPr>
+                      <m:t>×</m:t>
+                    </m:r>
+                    <m:r>
+                      <a:rPr lang="en-US" altLang="ja-JP" i="1" dirty="0">
+                        <a:latin typeface="Cambria Math" panose="02040503050406030204" pitchFamily="18" charset="0"/>
+                        <a:ea typeface="ＭＳ Ｐゴシック" charset="-128"/>
+                      </a:rPr>
+                      <m:t>𝐼𝐷𝐹</m:t>
+                    </m:r>
+                    <m:r>
+                      <a:rPr lang="en-US" altLang="ja-JP" i="1" dirty="0">
+                        <a:latin typeface="Cambria Math" panose="02040503050406030204" pitchFamily="18" charset="0"/>
+                        <a:ea typeface="ＭＳ Ｐゴシック" charset="-128"/>
+                      </a:rPr>
+                      <m:t>(</m:t>
+                    </m:r>
+                    <m:r>
+                      <a:rPr lang="en-US" altLang="ja-JP" i="1" dirty="0">
+                        <a:latin typeface="Cambria Math" panose="02040503050406030204" pitchFamily="18" charset="0"/>
+                        <a:ea typeface="ＭＳ Ｐゴシック" charset="-128"/>
+                      </a:rPr>
+                      <m:t>𝑡</m:t>
+                    </m:r>
+                    <m:r>
+                      <a:rPr lang="en-US" altLang="ja-JP" i="1" dirty="0">
+                        <a:latin typeface="Cambria Math" panose="02040503050406030204" pitchFamily="18" charset="0"/>
+                        <a:ea typeface="ＭＳ Ｐゴシック" charset="-128"/>
+                      </a:rPr>
+                      <m:t>)</m:t>
+                    </m:r>
+                  </m:oMath>
+                </a14:m>
+                <a:endParaRPr lang="en-US" altLang="ja-JP" dirty="0">
+                  <a:ea typeface="ＭＳ Ｐゴシック" charset="-128"/>
+                </a:endParaRPr>
+              </a:p>
+              <a:p>
+                <a:endParaRPr lang="en-US" altLang="ja-JP" dirty="0">
+                  <a:ea typeface="ＭＳ Ｐゴシック" charset="-128"/>
+                </a:endParaRPr>
+              </a:p>
+            </p:txBody>
+          </p:sp>
+        </mc:Choice>
+        <mc:Fallback>
+          <p:sp>
+            <p:nvSpPr>
+              <p:cNvPr id="326659" name="Rectangle 3"/>
+              <p:cNvSpPr>
+                <a:spLocks noGrp="1" noRot="1" noChangeAspect="1" noMove="1" noResize="1" noEditPoints="1" noAdjustHandles="1" noChangeArrowheads="1" noChangeShapeType="1" noTextEdit="1"/>
+              </p:cNvSpPr>
+              <p:nvPr>
+                <p:ph idx="1"/>
+              </p:nvPr>
+            </p:nvSpPr>
+            <p:spPr>
+              <a:blipFill rotWithShape="0">
+                <a:blip r:embed="rId2"/>
+                <a:stretch>
+                  <a:fillRect l="-1704" t="-1752"/>
+                </a:stretch>
+              </a:blipFill>
+            </p:spPr>
+            <p:txBody>
+              <a:bodyPr/>
+              <a:lstStyle/>
+              <a:p>
+                <a:r>
+                  <a:rPr lang="en-US">
+                    <a:noFill/>
+                  </a:rPr>
+                  <a:t> </a:t>
+                </a:r>
+              </a:p>
+            </p:txBody>
+          </p:sp>
+        </mc:Fallback>
+      </mc:AlternateContent>
+      <p:sp>
+        <p:nvSpPr>
+          <p:cNvPr id="2" name="Date Placeholder 1"/>
+          <p:cNvSpPr>
+            <a:spLocks noGrp="1"/>
+          </p:cNvSpPr>
+          <p:nvPr>
+            <p:ph type="dt" sz="half" idx="10"/>
+          </p:nvPr>
+        </p:nvSpPr>
+        <p:spPr/>
+        <p:txBody>
+          <a:bodyPr/>
+          <a:lstStyle/>
+          <a:p>
+            <a:r>
+              <a:rPr lang="en-US" smtClean="0"/>
+              <a:t>CS@UVa</a:t>
+            </a:r>
+            <a:endParaRPr lang="en-US"/>
+          </a:p>
+        </p:txBody>
+      </p:sp>
+      <p:sp>
+        <p:nvSpPr>
+          <p:cNvPr id="3" name="Footer Placeholder 2"/>
+          <p:cNvSpPr>
+            <a:spLocks noGrp="1"/>
+          </p:cNvSpPr>
+          <p:nvPr>
+            <p:ph type="ftr" sz="quarter" idx="11"/>
+          </p:nvPr>
+        </p:nvSpPr>
+        <p:spPr/>
+        <p:txBody>
+          <a:bodyPr/>
+          <a:lstStyle/>
+          <a:p>
+            <a:r>
+              <a:rPr lang="en-US" smtClean="0"/>
+              <a:t>CS 6501: Text Mining</a:t>
+            </a:r>
+            <a:endParaRPr lang="en-US"/>
+          </a:p>
+        </p:txBody>
+      </p:sp>
+      <p:sp>
+        <p:nvSpPr>
+          <p:cNvPr id="6" name="Slide Number Placeholder 5"/>
+          <p:cNvSpPr>
+            <a:spLocks noGrp="1"/>
+          </p:cNvSpPr>
+          <p:nvPr>
+            <p:ph type="sldNum" sz="quarter" idx="12"/>
+          </p:nvPr>
+        </p:nvSpPr>
+        <p:spPr/>
+        <p:txBody>
+          <a:bodyPr/>
+          <a:lstStyle/>
+          <a:p>
+            <a:fld id="{2A9F8BE9-47C8-4C45-B88F-68A848B0515F}" type="slidenum">
+              <a:rPr lang="en-US" smtClean="0"/>
+              <a:t>37</a:t>
+            </a:fld>
+            <a:endParaRPr lang="en-US"/>
+          </a:p>
+        </p:txBody>
+      </p:sp>
+    </p:spTree>
+    <p:extLst>
+      <p:ext uri="{BB962C8B-B14F-4D97-AF65-F5344CB8AC3E}">
+        <p14:creationId xmlns:p14="http://schemas.microsoft.com/office/powerpoint/2010/main" val="521283356"/>
+      </p:ext>
+    </p:extLst>
+  </p:cSld>
+  <p:clrMapOvr>
+    <a:masterClrMapping/>
+  </p:clrMapOvr>
+  <p:timing>
+    <p:tnLst>
+      <p:par>
+        <p:cTn id="1" dur="indefinite" restart="never" nodeType="tmRoot"/>
+      </p:par>
+    </p:tnLst>
+  </p:timing>
+</p:sld>
+</file>
+
+<file path=ppt/slides/slide38.xml><?xml version="1.0" encoding="utf-8"?>
+<p:sld xmlns:a="http://schemas.openxmlformats.org/drawingml/2006/main" xmlns:r="http://schemas.openxmlformats.org/officeDocument/2006/relationships" xmlns:p="http://schemas.openxmlformats.org/presentationml/2006/main">
+  <p:cSld>
+    <p:spTree>
+      <p:nvGrpSpPr>
+        <p:cNvPr id="1" name=""/>
+        <p:cNvGrpSpPr/>
+        <p:nvPr/>
+      </p:nvGrpSpPr>
+      <p:grpSpPr>
+        <a:xfrm>
+          <a:off x="0" y="0"/>
+          <a:ext cx="0" cy="0"/>
+          <a:chOff x="0" y="0"/>
+          <a:chExt cx="0" cy="0"/>
+        </a:xfrm>
+      </p:grpSpPr>
+      <p:sp>
+        <p:nvSpPr>
           <p:cNvPr id="2" name="Title 1"/>
           <p:cNvSpPr>
             <a:spLocks noGrp="1"/>
@@ -28450,7 +31974,7 @@
           <a:p>
             <a:fld id="{2A9F8BE9-47C8-4C45-B88F-68A848B0515F}" type="slidenum">
               <a:rPr lang="en-US" smtClean="0"/>
-              <a:t>36</a:t>
+              <a:t>38</a:t>
             </a:fld>
             <a:endParaRPr lang="en-US"/>
           </a:p>
@@ -28597,7 +32121,7 @@
 </p:sld>
 </file>
 
-<file path=ppt/slides/slide37.xml><?xml version="1.0" encoding="utf-8"?>
+<file path=ppt/slides/slide39.xml><?xml version="1.0" encoding="utf-8"?>
 <p:sld xmlns:a="http://schemas.openxmlformats.org/drawingml/2006/main" xmlns:r="http://schemas.openxmlformats.org/officeDocument/2006/relationships" xmlns:p="http://schemas.openxmlformats.org/presentationml/2006/main">
   <p:cSld>
     <p:spTree>
@@ -29539,7 +33063,7 @@
           <a:p>
             <a:fld id="{2A9F8BE9-47C8-4C45-B88F-68A848B0515F}" type="slidenum">
               <a:rPr lang="en-US" smtClean="0"/>
-              <a:t>37</a:t>
+              <a:t>39</a:t>
             </a:fld>
             <a:endParaRPr lang="en-US"/>
           </a:p>
@@ -29837,7 +33361,187 @@
 </p:sld>
 </file>
 
-<file path=ppt/slides/slide38.xml><?xml version="1.0" encoding="utf-8"?>
+<file path=ppt/slides/slide4.xml><?xml version="1.0" encoding="utf-8"?>
+<p:sld xmlns:a="http://schemas.openxmlformats.org/drawingml/2006/main" xmlns:r="http://schemas.openxmlformats.org/officeDocument/2006/relationships" xmlns:p="http://schemas.openxmlformats.org/presentationml/2006/main">
+  <p:cSld>
+    <p:spTree>
+      <p:nvGrpSpPr>
+        <p:cNvPr id="1" name=""/>
+        <p:cNvGrpSpPr/>
+        <p:nvPr/>
+      </p:nvGrpSpPr>
+      <p:grpSpPr>
+        <a:xfrm>
+          <a:off x="0" y="0"/>
+          <a:ext cx="0" cy="0"/>
+          <a:chOff x="0" y="0"/>
+          <a:chExt cx="0" cy="0"/>
+        </a:xfrm>
+      </p:grpSpPr>
+      <p:sp>
+        <p:nvSpPr>
+          <p:cNvPr id="6" name="Title 5"/>
+          <p:cNvSpPr>
+            <a:spLocks noGrp="1"/>
+          </p:cNvSpPr>
+          <p:nvPr>
+            <p:ph type="title"/>
+          </p:nvPr>
+        </p:nvSpPr>
+        <p:spPr/>
+        <p:txBody>
+          <a:bodyPr/>
+          <a:lstStyle/>
+          <a:p>
+            <a:r>
+              <a:rPr lang="en-US" dirty="0" smtClean="0"/>
+              <a:t>Today’s lecture</a:t>
+            </a:r>
+            <a:endParaRPr lang="en-US" dirty="0"/>
+          </a:p>
+        </p:txBody>
+      </p:sp>
+      <p:sp>
+        <p:nvSpPr>
+          <p:cNvPr id="7" name="Content Placeholder 6"/>
+          <p:cNvSpPr>
+            <a:spLocks noGrp="1"/>
+          </p:cNvSpPr>
+          <p:nvPr>
+            <p:ph idx="1"/>
+          </p:nvPr>
+        </p:nvSpPr>
+        <p:spPr/>
+        <p:txBody>
+          <a:bodyPr/>
+          <a:lstStyle/>
+          <a:p>
+            <a:pPr marL="514350" indent="-514350">
+              <a:buFont typeface="+mj-lt"/>
+              <a:buAutoNum type="arabicPeriod"/>
+            </a:pPr>
+            <a:r>
+              <a:rPr lang="en-US" dirty="0" smtClean="0"/>
+              <a:t>How to represent a document?</a:t>
+            </a:r>
+          </a:p>
+          <a:p>
+            <a:pPr lvl="1"/>
+            <a:r>
+              <a:rPr lang="en-US" dirty="0" smtClean="0"/>
+              <a:t>Make it computable</a:t>
+            </a:r>
+          </a:p>
+          <a:p>
+            <a:pPr marL="514350" indent="-514350">
+              <a:buFont typeface="+mj-lt"/>
+              <a:buAutoNum type="arabicPeriod"/>
+            </a:pPr>
+            <a:r>
+              <a:rPr lang="en-US" dirty="0" smtClean="0"/>
+              <a:t>How to infer the relationship among documents or identify the structure within a document?</a:t>
+            </a:r>
+          </a:p>
+          <a:p>
+            <a:pPr marL="744538" lvl="1" indent="-344488"/>
+            <a:r>
+              <a:rPr lang="en-US" dirty="0" smtClean="0"/>
+              <a:t>Knowledge discovery</a:t>
+            </a:r>
+            <a:endParaRPr lang="en-US" dirty="0"/>
+          </a:p>
+        </p:txBody>
+      </p:sp>
+      <p:sp>
+        <p:nvSpPr>
+          <p:cNvPr id="3" name="Date Placeholder 2"/>
+          <p:cNvSpPr>
+            <a:spLocks noGrp="1"/>
+          </p:cNvSpPr>
+          <p:nvPr>
+            <p:ph type="dt" sz="half" idx="10"/>
+          </p:nvPr>
+        </p:nvSpPr>
+        <p:spPr/>
+        <p:txBody>
+          <a:bodyPr/>
+          <a:lstStyle/>
+          <a:p>
+            <a:r>
+              <a:rPr lang="en-US" smtClean="0"/>
+              <a:t>CS@UVa</a:t>
+            </a:r>
+            <a:endParaRPr lang="en-US"/>
+          </a:p>
+        </p:txBody>
+      </p:sp>
+      <p:sp>
+        <p:nvSpPr>
+          <p:cNvPr id="4" name="Footer Placeholder 3"/>
+          <p:cNvSpPr>
+            <a:spLocks noGrp="1"/>
+          </p:cNvSpPr>
+          <p:nvPr>
+            <p:ph type="ftr" sz="quarter" idx="11"/>
+          </p:nvPr>
+        </p:nvSpPr>
+        <p:spPr/>
+        <p:txBody>
+          <a:bodyPr/>
+          <a:lstStyle/>
+          <a:p>
+            <a:r>
+              <a:rPr lang="en-US" smtClean="0"/>
+              <a:t>CS 6501: Text Mining</a:t>
+            </a:r>
+            <a:endParaRPr lang="en-US"/>
+          </a:p>
+        </p:txBody>
+      </p:sp>
+      <p:sp>
+        <p:nvSpPr>
+          <p:cNvPr id="5" name="Slide Number Placeholder 4"/>
+          <p:cNvSpPr>
+            <a:spLocks noGrp="1"/>
+          </p:cNvSpPr>
+          <p:nvPr>
+            <p:ph type="sldNum" sz="quarter" idx="12"/>
+          </p:nvPr>
+        </p:nvSpPr>
+        <p:spPr/>
+        <p:txBody>
+          <a:bodyPr/>
+          <a:lstStyle/>
+          <a:p>
+            <a:fld id="{2A9F8BE9-47C8-4C45-B88F-68A848B0515F}" type="slidenum">
+              <a:rPr lang="en-US" smtClean="0"/>
+              <a:t>4</a:t>
+            </a:fld>
+            <a:endParaRPr lang="en-US"/>
+          </a:p>
+        </p:txBody>
+      </p:sp>
+    </p:spTree>
+    <p:extLst>
+      <p:ext uri="{BB962C8B-B14F-4D97-AF65-F5344CB8AC3E}">
+        <p14:creationId xmlns:p14="http://schemas.microsoft.com/office/powerpoint/2010/main" val="1258650177"/>
+      </p:ext>
+    </p:extLst>
+  </p:cSld>
+  <p:clrMapOvr>
+    <a:masterClrMapping/>
+  </p:clrMapOvr>
+  <p:timing>
+    <p:tnLst>
+      <p:par>
+        <p:cTn id="1" dur="indefinite" restart="never" nodeType="tmRoot"/>
+      </p:par>
+    </p:tnLst>
+  </p:timing>
+</p:sld>
+</file>
+
+<file path=ppt/slides/slide40.xml><?xml version="1.0" encoding="utf-8"?>
 <p:sld xmlns:a="http://schemas.openxmlformats.org/drawingml/2006/main" xmlns:r="http://schemas.openxmlformats.org/officeDocument/2006/relationships" xmlns:p="http://schemas.openxmlformats.org/presentationml/2006/main">
   <p:cSld>
     <p:spTree>
@@ -31523,7 +35227,7 @@
           <a:p>
             <a:fld id="{2A9F8BE9-47C8-4C45-B88F-68A848B0515F}" type="slidenum">
               <a:rPr lang="en-US" smtClean="0"/>
-              <a:t>38</a:t>
+              <a:t>40</a:t>
             </a:fld>
             <a:endParaRPr lang="en-US"/>
           </a:p>
@@ -31922,7 +35626,7 @@
 </p:sld>
 </file>
 
-<file path=ppt/slides/slide39.xml><?xml version="1.0" encoding="utf-8"?>
+<file path=ppt/slides/slide41.xml><?xml version="1.0" encoding="utf-8"?>
 <p:sld xmlns:a="http://schemas.openxmlformats.org/drawingml/2006/main" xmlns:r="http://schemas.openxmlformats.org/officeDocument/2006/relationships" xmlns:p="http://schemas.openxmlformats.org/presentationml/2006/main">
   <p:cSld>
     <p:spTree>
@@ -32113,7 +35817,7 @@
           <a:p>
             <a:fld id="{2A9F8BE9-47C8-4C45-B88F-68A848B0515F}" type="slidenum">
               <a:rPr lang="en-US" smtClean="0"/>
-              <a:t>39</a:t>
+              <a:t>41</a:t>
             </a:fld>
             <a:endParaRPr lang="en-US"/>
           </a:p>
@@ -32211,187 +35915,7 @@
 </p:sld>
 </file>
 
-<file path=ppt/slides/slide4.xml><?xml version="1.0" encoding="utf-8"?>
-<p:sld xmlns:a="http://schemas.openxmlformats.org/drawingml/2006/main" xmlns:r="http://schemas.openxmlformats.org/officeDocument/2006/relationships" xmlns:p="http://schemas.openxmlformats.org/presentationml/2006/main">
-  <p:cSld>
-    <p:spTree>
-      <p:nvGrpSpPr>
-        <p:cNvPr id="1" name=""/>
-        <p:cNvGrpSpPr/>
-        <p:nvPr/>
-      </p:nvGrpSpPr>
-      <p:grpSpPr>
-        <a:xfrm>
-          <a:off x="0" y="0"/>
-          <a:ext cx="0" cy="0"/>
-          <a:chOff x="0" y="0"/>
-          <a:chExt cx="0" cy="0"/>
-        </a:xfrm>
-      </p:grpSpPr>
-      <p:sp>
-        <p:nvSpPr>
-          <p:cNvPr id="6" name="Title 5"/>
-          <p:cNvSpPr>
-            <a:spLocks noGrp="1"/>
-          </p:cNvSpPr>
-          <p:nvPr>
-            <p:ph type="title"/>
-          </p:nvPr>
-        </p:nvSpPr>
-        <p:spPr/>
-        <p:txBody>
-          <a:bodyPr/>
-          <a:lstStyle/>
-          <a:p>
-            <a:r>
-              <a:rPr lang="en-US" dirty="0" smtClean="0"/>
-              <a:t>Today’s lecture</a:t>
-            </a:r>
-            <a:endParaRPr lang="en-US" dirty="0"/>
-          </a:p>
-        </p:txBody>
-      </p:sp>
-      <p:sp>
-        <p:nvSpPr>
-          <p:cNvPr id="7" name="Content Placeholder 6"/>
-          <p:cNvSpPr>
-            <a:spLocks noGrp="1"/>
-          </p:cNvSpPr>
-          <p:nvPr>
-            <p:ph idx="1"/>
-          </p:nvPr>
-        </p:nvSpPr>
-        <p:spPr/>
-        <p:txBody>
-          <a:bodyPr/>
-          <a:lstStyle/>
-          <a:p>
-            <a:pPr marL="514350" indent="-514350">
-              <a:buFont typeface="+mj-lt"/>
-              <a:buAutoNum type="arabicPeriod"/>
-            </a:pPr>
-            <a:r>
-              <a:rPr lang="en-US" dirty="0" smtClean="0"/>
-              <a:t>How to represent a document?</a:t>
-            </a:r>
-          </a:p>
-          <a:p>
-            <a:pPr lvl="1"/>
-            <a:r>
-              <a:rPr lang="en-US" dirty="0" smtClean="0"/>
-              <a:t>Make it computable</a:t>
-            </a:r>
-          </a:p>
-          <a:p>
-            <a:pPr marL="514350" indent="-514350">
-              <a:buFont typeface="+mj-lt"/>
-              <a:buAutoNum type="arabicPeriod"/>
-            </a:pPr>
-            <a:r>
-              <a:rPr lang="en-US" dirty="0" smtClean="0"/>
-              <a:t>How to infer the relationship among documents or identify the structure within a document?</a:t>
-            </a:r>
-          </a:p>
-          <a:p>
-            <a:pPr marL="744538" lvl="1" indent="-344488"/>
-            <a:r>
-              <a:rPr lang="en-US" dirty="0" smtClean="0"/>
-              <a:t>Knowledge discovery</a:t>
-            </a:r>
-            <a:endParaRPr lang="en-US" dirty="0"/>
-          </a:p>
-        </p:txBody>
-      </p:sp>
-      <p:sp>
-        <p:nvSpPr>
-          <p:cNvPr id="3" name="Date Placeholder 2"/>
-          <p:cNvSpPr>
-            <a:spLocks noGrp="1"/>
-          </p:cNvSpPr>
-          <p:nvPr>
-            <p:ph type="dt" sz="half" idx="10"/>
-          </p:nvPr>
-        </p:nvSpPr>
-        <p:spPr/>
-        <p:txBody>
-          <a:bodyPr/>
-          <a:lstStyle/>
-          <a:p>
-            <a:r>
-              <a:rPr lang="en-US" smtClean="0"/>
-              <a:t>CS@UVa</a:t>
-            </a:r>
-            <a:endParaRPr lang="en-US"/>
-          </a:p>
-        </p:txBody>
-      </p:sp>
-      <p:sp>
-        <p:nvSpPr>
-          <p:cNvPr id="4" name="Footer Placeholder 3"/>
-          <p:cNvSpPr>
-            <a:spLocks noGrp="1"/>
-          </p:cNvSpPr>
-          <p:nvPr>
-            <p:ph type="ftr" sz="quarter" idx="11"/>
-          </p:nvPr>
-        </p:nvSpPr>
-        <p:spPr/>
-        <p:txBody>
-          <a:bodyPr/>
-          <a:lstStyle/>
-          <a:p>
-            <a:r>
-              <a:rPr lang="en-US" smtClean="0"/>
-              <a:t>CS 6501: Text Mining</a:t>
-            </a:r>
-            <a:endParaRPr lang="en-US"/>
-          </a:p>
-        </p:txBody>
-      </p:sp>
-      <p:sp>
-        <p:nvSpPr>
-          <p:cNvPr id="5" name="Slide Number Placeholder 4"/>
-          <p:cNvSpPr>
-            <a:spLocks noGrp="1"/>
-          </p:cNvSpPr>
-          <p:nvPr>
-            <p:ph type="sldNum" sz="quarter" idx="12"/>
-          </p:nvPr>
-        </p:nvSpPr>
-        <p:spPr/>
-        <p:txBody>
-          <a:bodyPr/>
-          <a:lstStyle/>
-          <a:p>
-            <a:fld id="{2A9F8BE9-47C8-4C45-B88F-68A848B0515F}" type="slidenum">
-              <a:rPr lang="en-US" smtClean="0"/>
-              <a:t>4</a:t>
-            </a:fld>
-            <a:endParaRPr lang="en-US"/>
-          </a:p>
-        </p:txBody>
-      </p:sp>
-    </p:spTree>
-    <p:extLst>
-      <p:ext uri="{BB962C8B-B14F-4D97-AF65-F5344CB8AC3E}">
-        <p14:creationId xmlns:p14="http://schemas.microsoft.com/office/powerpoint/2010/main" val="1258650177"/>
-      </p:ext>
-    </p:extLst>
-  </p:cSld>
-  <p:clrMapOvr>
-    <a:masterClrMapping/>
-  </p:clrMapOvr>
-  <p:timing>
-    <p:tnLst>
-      <p:par>
-        <p:cTn id="1" dur="indefinite" restart="never" nodeType="tmRoot"/>
-      </p:par>
-    </p:tnLst>
-  </p:timing>
-</p:sld>
-</file>
-
-<file path=ppt/slides/slide40.xml><?xml version="1.0" encoding="utf-8"?>
+<file path=ppt/slides/slide42.xml><?xml version="1.0" encoding="utf-8"?>
 <p:sld xmlns:a="http://schemas.openxmlformats.org/drawingml/2006/main" xmlns:r="http://schemas.openxmlformats.org/officeDocument/2006/relationships" xmlns:p="http://schemas.openxmlformats.org/presentationml/2006/main">
   <p:cSld>
     <p:spTree>
@@ -32553,7 +36077,7 @@
           <a:p>
             <a:fld id="{2A9F8BE9-47C8-4C45-B88F-68A848B0515F}" type="slidenum">
               <a:rPr lang="en-US" smtClean="0"/>
-              <a:t>40</a:t>
+              <a:t>42</a:t>
             </a:fld>
             <a:endParaRPr lang="en-US"/>
           </a:p>
@@ -32579,7 +36103,7 @@
 </p:sld>
 </file>
 
-<file path=ppt/slides/slide41.xml><?xml version="1.0" encoding="utf-8"?>
+<file path=ppt/slides/slide43.xml><?xml version="1.0" encoding="utf-8"?>
 <p:sld xmlns:a="http://schemas.openxmlformats.org/drawingml/2006/main" xmlns:r="http://schemas.openxmlformats.org/officeDocument/2006/relationships" xmlns:p="http://schemas.openxmlformats.org/presentationml/2006/main">
   <p:cSld>
     <p:spTree>
@@ -32636,7 +36160,15 @@
           <a:p>
             <a:r>
               <a:rPr lang="en-US" dirty="0" smtClean="0"/>
-              <a:t>Basic idea of </a:t>
+              <a:t>Basic </a:t>
+            </a:r>
+            <a:r>
+              <a:rPr lang="en-US" dirty="0" smtClean="0"/>
+              <a:t>ideas </a:t>
+            </a:r>
+            <a:r>
+              <a:rPr lang="en-US" dirty="0" smtClean="0"/>
+              <a:t>of </a:t>
             </a:r>
             <a:r>
               <a:rPr lang="en-US" dirty="0"/>
@@ -32656,8 +36188,13 @@
           <a:p>
             <a:r>
               <a:rPr lang="en-US" dirty="0" smtClean="0"/>
-              <a:t>Two important heuristics in VS model</a:t>
-            </a:r>
+              <a:t>Two important heuristics in </a:t>
+            </a:r>
+            <a:r>
+              <a:rPr lang="en-US" dirty="0" smtClean="0"/>
+              <a:t>bag-of-words representation</a:t>
+            </a:r>
+            <a:endParaRPr lang="en-US" dirty="0" smtClean="0"/>
           </a:p>
           <a:p>
             <a:pPr lvl="1"/>
@@ -32747,7 +36284,7 @@
           <a:p>
             <a:fld id="{2A9F8BE9-47C8-4C45-B88F-68A848B0515F}" type="slidenum">
               <a:rPr lang="en-US" smtClean="0"/>
-              <a:t>41</a:t>
+              <a:t>43</a:t>
             </a:fld>
             <a:endParaRPr lang="en-US"/>
           </a:p>
@@ -32773,7 +36310,7 @@
 </p:sld>
 </file>
 
-<file path=ppt/slides/slide42.xml><?xml version="1.0" encoding="utf-8"?>
+<file path=ppt/slides/slide44.xml><?xml version="1.0" encoding="utf-8"?>
 <p:sld xmlns:a="http://schemas.openxmlformats.org/drawingml/2006/main" xmlns:r="http://schemas.openxmlformats.org/officeDocument/2006/relationships" xmlns:p="http://schemas.openxmlformats.org/presentationml/2006/main">
   <p:cSld>
     <p:spTree>
@@ -32977,7 +36514,7 @@
           <a:p>
             <a:fld id="{2A9F8BE9-47C8-4C45-B88F-68A848B0515F}" type="slidenum">
               <a:rPr lang="en-US" smtClean="0"/>
-              <a:t>42</a:t>
+              <a:t>44</a:t>
             </a:fld>
             <a:endParaRPr lang="en-US"/>
           </a:p>
